--- a/Documents/FPGA_Robot_Block_Structure.pptx
+++ b/Documents/FPGA_Robot_Block_Structure.pptx
@@ -6,6 +6,7 @@
   </p:sldMasterIdLst>
   <p:sldIdLst>
     <p:sldId id="256" r:id="rId2"/>
+    <p:sldId id="257" r:id="rId3"/>
   </p:sldIdLst>
   <p:sldSz cx="12192000" cy="6858000"/>
   <p:notesSz cx="6858000" cy="9144000"/>
@@ -259,7 +260,7 @@
           <a:p>
             <a:fld id="{6524FFFE-77AB-4518-8FEA-11B3ACF346F4}" type="datetimeFigureOut">
               <a:rPr lang="en-US" smtClean="0"/>
-              <a:t>6/13/2019</a:t>
+              <a:t>6/28/2019</a:t>
             </a:fld>
             <a:endParaRPr lang="en-US"/>
           </a:p>
@@ -457,7 +458,7 @@
           <a:p>
             <a:fld id="{6524FFFE-77AB-4518-8FEA-11B3ACF346F4}" type="datetimeFigureOut">
               <a:rPr lang="en-US" smtClean="0"/>
-              <a:t>6/13/2019</a:t>
+              <a:t>6/28/2019</a:t>
             </a:fld>
             <a:endParaRPr lang="en-US"/>
           </a:p>
@@ -665,7 +666,7 @@
           <a:p>
             <a:fld id="{6524FFFE-77AB-4518-8FEA-11B3ACF346F4}" type="datetimeFigureOut">
               <a:rPr lang="en-US" smtClean="0"/>
-              <a:t>6/13/2019</a:t>
+              <a:t>6/28/2019</a:t>
             </a:fld>
             <a:endParaRPr lang="en-US"/>
           </a:p>
@@ -863,7 +864,7 @@
           <a:p>
             <a:fld id="{6524FFFE-77AB-4518-8FEA-11B3ACF346F4}" type="datetimeFigureOut">
               <a:rPr lang="en-US" smtClean="0"/>
-              <a:t>6/13/2019</a:t>
+              <a:t>6/28/2019</a:t>
             </a:fld>
             <a:endParaRPr lang="en-US"/>
           </a:p>
@@ -1138,7 +1139,7 @@
           <a:p>
             <a:fld id="{6524FFFE-77AB-4518-8FEA-11B3ACF346F4}" type="datetimeFigureOut">
               <a:rPr lang="en-US" smtClean="0"/>
-              <a:t>6/13/2019</a:t>
+              <a:t>6/28/2019</a:t>
             </a:fld>
             <a:endParaRPr lang="en-US"/>
           </a:p>
@@ -1403,7 +1404,7 @@
           <a:p>
             <a:fld id="{6524FFFE-77AB-4518-8FEA-11B3ACF346F4}" type="datetimeFigureOut">
               <a:rPr lang="en-US" smtClean="0"/>
-              <a:t>6/13/2019</a:t>
+              <a:t>6/28/2019</a:t>
             </a:fld>
             <a:endParaRPr lang="en-US"/>
           </a:p>
@@ -1815,7 +1816,7 @@
           <a:p>
             <a:fld id="{6524FFFE-77AB-4518-8FEA-11B3ACF346F4}" type="datetimeFigureOut">
               <a:rPr lang="en-US" smtClean="0"/>
-              <a:t>6/13/2019</a:t>
+              <a:t>6/28/2019</a:t>
             </a:fld>
             <a:endParaRPr lang="en-US"/>
           </a:p>
@@ -1956,7 +1957,7 @@
           <a:p>
             <a:fld id="{6524FFFE-77AB-4518-8FEA-11B3ACF346F4}" type="datetimeFigureOut">
               <a:rPr lang="en-US" smtClean="0"/>
-              <a:t>6/13/2019</a:t>
+              <a:t>6/28/2019</a:t>
             </a:fld>
             <a:endParaRPr lang="en-US"/>
           </a:p>
@@ -2069,7 +2070,7 @@
           <a:p>
             <a:fld id="{6524FFFE-77AB-4518-8FEA-11B3ACF346F4}" type="datetimeFigureOut">
               <a:rPr lang="en-US" smtClean="0"/>
-              <a:t>6/13/2019</a:t>
+              <a:t>6/28/2019</a:t>
             </a:fld>
             <a:endParaRPr lang="en-US"/>
           </a:p>
@@ -2380,7 +2381,7 @@
           <a:p>
             <a:fld id="{6524FFFE-77AB-4518-8FEA-11B3ACF346F4}" type="datetimeFigureOut">
               <a:rPr lang="en-US" smtClean="0"/>
-              <a:t>6/13/2019</a:t>
+              <a:t>6/28/2019</a:t>
             </a:fld>
             <a:endParaRPr lang="en-US"/>
           </a:p>
@@ -2668,7 +2669,7 @@
           <a:p>
             <a:fld id="{6524FFFE-77AB-4518-8FEA-11B3ACF346F4}" type="datetimeFigureOut">
               <a:rPr lang="en-US" smtClean="0"/>
-              <a:t>6/13/2019</a:t>
+              <a:t>6/28/2019</a:t>
             </a:fld>
             <a:endParaRPr lang="en-US"/>
           </a:p>
@@ -2909,7 +2910,7 @@
           <a:p>
             <a:fld id="{6524FFFE-77AB-4518-8FEA-11B3ACF346F4}" type="datetimeFigureOut">
               <a:rPr lang="en-US" smtClean="0"/>
-              <a:t>6/13/2019</a:t>
+              <a:t>6/28/2019</a:t>
             </a:fld>
             <a:endParaRPr lang="en-US"/>
           </a:p>
@@ -3340,8 +3341,8 @@
         </p:nvGrpSpPr>
         <p:grpSpPr>
           <a:xfrm>
-            <a:off x="507975" y="727969"/>
-            <a:ext cx="10501612" cy="4683668"/>
+            <a:off x="852188" y="1835409"/>
+            <a:ext cx="10394932" cy="4636089"/>
             <a:chOff x="507975" y="727969"/>
             <a:chExt cx="10501612" cy="4683668"/>
           </a:xfrm>
@@ -3376,6 +3377,7 @@
               <a:solidFill>
                 <a:schemeClr val="accent5">
                   <a:lumMod val="75000"/>
+                  <a:alpha val="80000"/>
                 </a:schemeClr>
               </a:solidFill>
             </a:ln>
@@ -3402,7 +3404,7 @@
             <a:p>
               <a:pPr algn="ctr"/>
               <a:r>
-                <a:rPr lang="en-US" dirty="0">
+                <a:rPr lang="en-US" sz="1600" dirty="0">
                   <a:solidFill>
                     <a:schemeClr val="bg1"/>
                   </a:solidFill>
@@ -3413,7 +3415,7 @@
             <a:p>
               <a:pPr algn="ctr"/>
               <a:r>
-                <a:rPr lang="en-US" dirty="0">
+                <a:rPr lang="en-US" sz="1600" dirty="0">
                   <a:solidFill>
                     <a:schemeClr val="bg1"/>
                   </a:solidFill>
@@ -3448,6 +3450,7 @@
               <a:solidFill>
                 <a:schemeClr val="accent5">
                   <a:lumMod val="75000"/>
+                  <a:alpha val="80000"/>
                 </a:schemeClr>
               </a:solidFill>
             </a:ln>
@@ -3474,7 +3477,7 @@
             <a:p>
               <a:pPr algn="ctr"/>
               <a:r>
-                <a:rPr lang="en-US" dirty="0">
+                <a:rPr lang="en-US" sz="1600" dirty="0">
                   <a:solidFill>
                     <a:schemeClr val="bg1"/>
                   </a:solidFill>
@@ -3509,6 +3512,7 @@
               <a:solidFill>
                 <a:schemeClr val="accent5">
                   <a:lumMod val="75000"/>
+                  <a:alpha val="80000"/>
                 </a:schemeClr>
               </a:solidFill>
             </a:ln>
@@ -3539,7 +3543,7 @@
                 </a:lnSpc>
               </a:pPr>
               <a:r>
-                <a:rPr lang="en-US" dirty="0">
+                <a:rPr lang="en-US" sz="1600" dirty="0">
                   <a:solidFill>
                     <a:schemeClr val="bg1"/>
                   </a:solidFill>
@@ -3554,7 +3558,7 @@
                 </a:lnSpc>
               </a:pPr>
               <a:r>
-                <a:rPr lang="en-US" sz="1400" dirty="0">
+                <a:rPr lang="en-US" sz="1200" dirty="0">
                   <a:solidFill>
                     <a:schemeClr val="bg1"/>
                   </a:solidFill>
@@ -3589,6 +3593,7 @@
               <a:solidFill>
                 <a:schemeClr val="accent5">
                   <a:lumMod val="75000"/>
+                  <a:alpha val="80000"/>
                 </a:schemeClr>
               </a:solidFill>
             </a:ln>
@@ -3615,7 +3620,7 @@
             <a:p>
               <a:pPr algn="ctr"/>
               <a:r>
-                <a:rPr lang="en-US" dirty="0">
+                <a:rPr lang="en-US" sz="1600" dirty="0">
                   <a:solidFill>
                     <a:schemeClr val="bg1"/>
                   </a:solidFill>
@@ -3650,6 +3655,7 @@
               <a:solidFill>
                 <a:schemeClr val="accent5">
                   <a:lumMod val="75000"/>
+                  <a:alpha val="80000"/>
                 </a:schemeClr>
               </a:solidFill>
             </a:ln>
@@ -3676,7 +3682,7 @@
             <a:p>
               <a:pPr algn="ctr"/>
               <a:r>
-                <a:rPr lang="en-US" dirty="0">
+                <a:rPr lang="en-US" sz="1600" dirty="0">
                   <a:solidFill>
                     <a:schemeClr val="bg1"/>
                   </a:solidFill>
@@ -3711,6 +3717,7 @@
               <a:solidFill>
                 <a:schemeClr val="accent5">
                   <a:lumMod val="75000"/>
+                  <a:alpha val="80000"/>
                 </a:schemeClr>
               </a:solidFill>
             </a:ln>
@@ -3737,7 +3744,7 @@
             <a:p>
               <a:pPr algn="ctr"/>
               <a:r>
-                <a:rPr lang="en-US" dirty="0">
+                <a:rPr lang="en-US" sz="1600" dirty="0">
                   <a:solidFill>
                     <a:schemeClr val="bg1"/>
                   </a:solidFill>
@@ -3772,6 +3779,7 @@
               <a:solidFill>
                 <a:schemeClr val="accent5">
                   <a:lumMod val="75000"/>
+                  <a:alpha val="80000"/>
                 </a:schemeClr>
               </a:solidFill>
             </a:ln>
@@ -3803,7 +3811,7 @@
             <a:p>
               <a:pPr algn="ctr"/>
               <a:r>
-                <a:rPr lang="en-US" dirty="0">
+                <a:rPr lang="en-US" sz="1600" dirty="0">
                   <a:solidFill>
                     <a:schemeClr val="bg1"/>
                   </a:solidFill>
@@ -3814,7 +3822,7 @@
             <a:p>
               <a:pPr algn="ctr"/>
               <a:r>
-                <a:rPr lang="en-US" sz="1200" dirty="0">
+                <a:rPr lang="en-US" sz="1100" dirty="0">
                   <a:solidFill>
                     <a:schemeClr val="bg1"/>
                   </a:solidFill>
@@ -3849,6 +3857,7 @@
               <a:solidFill>
                 <a:schemeClr val="accent5">
                   <a:lumMod val="75000"/>
+                  <a:alpha val="80000"/>
                 </a:schemeClr>
               </a:solidFill>
             </a:ln>
@@ -3875,7 +3884,7 @@
             <a:p>
               <a:pPr algn="ctr"/>
               <a:r>
-                <a:rPr lang="en-US" dirty="0">
+                <a:rPr lang="en-US" sz="1600" dirty="0">
                   <a:solidFill>
                     <a:schemeClr val="bg1"/>
                   </a:solidFill>
@@ -3910,6 +3919,7 @@
               <a:solidFill>
                 <a:schemeClr val="accent5">
                   <a:lumMod val="75000"/>
+                  <a:alpha val="80000"/>
                 </a:schemeClr>
               </a:solidFill>
             </a:ln>
@@ -3936,7 +3946,7 @@
             <a:p>
               <a:pPr algn="ctr"/>
               <a:r>
-                <a:rPr lang="en-US" dirty="0">
+                <a:rPr lang="en-US" sz="1600" dirty="0">
                   <a:solidFill>
                     <a:schemeClr val="bg1"/>
                   </a:solidFill>
@@ -3971,6 +3981,7 @@
               <a:solidFill>
                 <a:schemeClr val="accent5">
                   <a:lumMod val="75000"/>
+                  <a:alpha val="80000"/>
                 </a:schemeClr>
               </a:solidFill>
             </a:ln>
@@ -3997,7 +4008,7 @@
             <a:p>
               <a:pPr algn="ctr"/>
               <a:r>
-                <a:rPr lang="en-US" dirty="0">
+                <a:rPr lang="en-US" sz="1600" dirty="0">
                   <a:solidFill>
                     <a:schemeClr val="bg1"/>
                   </a:solidFill>
@@ -4005,21 +4016,21 @@
                 <a:t>Battery</a:t>
               </a:r>
               <a:br>
-                <a:rPr lang="en-US" dirty="0">
+                <a:rPr lang="en-US" sz="1600" dirty="0">
                   <a:solidFill>
                     <a:schemeClr val="bg1"/>
                   </a:solidFill>
                 </a:rPr>
               </a:br>
               <a:r>
-                <a:rPr lang="en-US" sz="1400" dirty="0">
+                <a:rPr lang="en-US" sz="1200" dirty="0">
                   <a:solidFill>
                     <a:schemeClr val="bg1"/>
                   </a:solidFill>
                 </a:rPr>
                 <a:t>(12V)</a:t>
               </a:r>
-              <a:endParaRPr lang="en-US" dirty="0">
+              <a:endParaRPr lang="en-US" sz="1600" dirty="0">
                 <a:solidFill>
                   <a:schemeClr val="bg1"/>
                 </a:solidFill>
@@ -4052,6 +4063,7 @@
               <a:solidFill>
                 <a:schemeClr val="accent5">
                   <a:lumMod val="75000"/>
+                  <a:alpha val="80000"/>
                 </a:schemeClr>
               </a:solidFill>
             </a:ln>
@@ -4078,7 +4090,7 @@
             <a:p>
               <a:pPr algn="ctr"/>
               <a:r>
-                <a:rPr lang="en-US" dirty="0">
+                <a:rPr lang="en-US" sz="1600" dirty="0">
                   <a:solidFill>
                     <a:schemeClr val="bg1"/>
                   </a:solidFill>
@@ -5038,6 +5050,7 @@
               <a:solidFill>
                 <a:schemeClr val="accent5">
                   <a:lumMod val="75000"/>
+                  <a:alpha val="80000"/>
                 </a:schemeClr>
               </a:solidFill>
             </a:ln>
@@ -5068,14 +5081,14 @@
                 </a:lnSpc>
               </a:pPr>
               <a:r>
-                <a:rPr lang="en-US" dirty="0">
+                <a:rPr lang="en-US" sz="1600" dirty="0">
                   <a:solidFill>
                     <a:schemeClr val="bg1"/>
                   </a:solidFill>
                 </a:rPr>
                 <a:t>Camera</a:t>
               </a:r>
-              <a:endParaRPr lang="en-US" sz="1400" dirty="0">
+              <a:endParaRPr lang="en-US" sz="1200" dirty="0">
                 <a:solidFill>
                   <a:schemeClr val="bg1"/>
                 </a:solidFill>
@@ -5378,10 +5391,3296 @@
           </p:txBody>
         </p:sp>
       </p:grpSp>
+      <p:sp>
+        <p:nvSpPr>
+          <p:cNvPr id="46" name="Title 33">
+            <a:extLst>
+              <a:ext uri="{FF2B5EF4-FFF2-40B4-BE49-F238E27FC236}">
+                <a16:creationId xmlns:a16="http://schemas.microsoft.com/office/drawing/2014/main" id="{2548D672-8BE4-458A-AF0C-7B41B1AA6072}"/>
+              </a:ext>
+            </a:extLst>
+          </p:cNvPr>
+          <p:cNvSpPr txBox="1">
+            <a:spLocks/>
+          </p:cNvSpPr>
+          <p:nvPr/>
+        </p:nvSpPr>
+        <p:spPr>
+          <a:xfrm>
+            <a:off x="838200" y="170983"/>
+            <a:ext cx="10515600" cy="1025060"/>
+          </a:xfrm>
+          <a:prstGeom prst="rect">
+            <a:avLst/>
+          </a:prstGeom>
+        </p:spPr>
+        <p:txBody>
+          <a:bodyPr vert="horz" lIns="91440" tIns="45720" rIns="91440" bIns="45720" rtlCol="0" anchor="ctr">
+            <a:normAutofit/>
+          </a:bodyPr>
+          <a:lstStyle>
+            <a:lvl1pPr algn="l" defTabSz="914400" rtl="0" eaLnBrk="1" latinLnBrk="0" hangingPunct="1">
+              <a:lnSpc>
+                <a:spcPct val="90000"/>
+              </a:lnSpc>
+              <a:spcBef>
+                <a:spcPct val="0"/>
+              </a:spcBef>
+              <a:buNone/>
+              <a:defRPr sz="4400" kern="1200">
+                <a:solidFill>
+                  <a:schemeClr val="tx1"/>
+                </a:solidFill>
+                <a:latin typeface="+mj-lt"/>
+                <a:ea typeface="+mj-ea"/>
+                <a:cs typeface="+mj-cs"/>
+              </a:defRPr>
+            </a:lvl1pPr>
+          </a:lstStyle>
+          <a:p>
+            <a:pPr algn="ctr"/>
+            <a:r>
+              <a:rPr lang="en-US" dirty="0"/>
+              <a:t>FPGA Robot Block Diagram</a:t>
+            </a:r>
+          </a:p>
+        </p:txBody>
+      </p:sp>
+      <p:pic>
+        <p:nvPicPr>
+          <p:cNvPr id="47" name="Picture 46">
+            <a:extLst>
+              <a:ext uri="{FF2B5EF4-FFF2-40B4-BE49-F238E27FC236}">
+                <a16:creationId xmlns:a16="http://schemas.microsoft.com/office/drawing/2014/main" id="{A85E715A-2EDC-4001-A368-FD8B3A308760}"/>
+              </a:ext>
+            </a:extLst>
+          </p:cNvPr>
+          <p:cNvPicPr>
+            <a:picLocks noChangeAspect="1"/>
+          </p:cNvPicPr>
+          <p:nvPr/>
+        </p:nvPicPr>
+        <p:blipFill>
+          <a:blip r:embed="rId2">
+            <a:extLst>
+              <a:ext uri="{28A0092B-C50C-407E-A947-70E740481C1C}">
+                <a14:useLocalDpi xmlns:a14="http://schemas.microsoft.com/office/drawing/2010/main" val="0"/>
+              </a:ext>
+            </a:extLst>
+          </a:blip>
+          <a:stretch>
+            <a:fillRect/>
+          </a:stretch>
+        </p:blipFill>
+        <p:spPr>
+          <a:xfrm>
+            <a:off x="10697155" y="166031"/>
+            <a:ext cx="1313290" cy="263031"/>
+          </a:xfrm>
+          <a:prstGeom prst="rect">
+            <a:avLst/>
+          </a:prstGeom>
+        </p:spPr>
+      </p:pic>
     </p:spTree>
     <p:extLst>
       <p:ext uri="{BB962C8B-B14F-4D97-AF65-F5344CB8AC3E}">
         <p14:creationId xmlns:p14="http://schemas.microsoft.com/office/powerpoint/2010/main" val="2919549831"/>
+      </p:ext>
+    </p:extLst>
+  </p:cSld>
+  <p:clrMapOvr>
+    <a:masterClrMapping/>
+  </p:clrMapOvr>
+</p:sld>
+</file>
+
+<file path=ppt/slides/slide2.xml><?xml version="1.0" encoding="utf-8"?>
+<p:sld xmlns:a="http://schemas.openxmlformats.org/drawingml/2006/main" xmlns:r="http://schemas.openxmlformats.org/officeDocument/2006/relationships" xmlns:p="http://schemas.openxmlformats.org/presentationml/2006/main">
+  <p:cSld>
+    <p:spTree>
+      <p:nvGrpSpPr>
+        <p:cNvPr id="1" name=""/>
+        <p:cNvGrpSpPr/>
+        <p:nvPr/>
+      </p:nvGrpSpPr>
+      <p:grpSpPr>
+        <a:xfrm>
+          <a:off x="0" y="0"/>
+          <a:ext cx="0" cy="0"/>
+          <a:chOff x="0" y="0"/>
+          <a:chExt cx="0" cy="0"/>
+        </a:xfrm>
+      </p:grpSpPr>
+      <p:grpSp>
+        <p:nvGrpSpPr>
+          <p:cNvPr id="38" name="Group 37">
+            <a:extLst>
+              <a:ext uri="{FF2B5EF4-FFF2-40B4-BE49-F238E27FC236}">
+                <a16:creationId xmlns:a16="http://schemas.microsoft.com/office/drawing/2014/main" id="{9405F89F-727F-4994-A242-E30AFEF674BF}"/>
+              </a:ext>
+            </a:extLst>
+          </p:cNvPr>
+          <p:cNvGrpSpPr/>
+          <p:nvPr/>
+        </p:nvGrpSpPr>
+        <p:grpSpPr>
+          <a:xfrm>
+            <a:off x="1091368" y="1557309"/>
+            <a:ext cx="10009263" cy="4256621"/>
+            <a:chOff x="912803" y="1851949"/>
+            <a:chExt cx="10009263" cy="4256621"/>
+          </a:xfrm>
+        </p:grpSpPr>
+        <p:sp>
+          <p:nvSpPr>
+            <p:cNvPr id="4" name="Rectangle: Rounded Corners 3">
+              <a:extLst>
+                <a:ext uri="{FF2B5EF4-FFF2-40B4-BE49-F238E27FC236}">
+                  <a16:creationId xmlns:a16="http://schemas.microsoft.com/office/drawing/2014/main" id="{21DB6141-E938-4911-B207-BF65B458AB75}"/>
+                </a:ext>
+              </a:extLst>
+            </p:cNvPr>
+            <p:cNvSpPr/>
+            <p:nvPr/>
+          </p:nvSpPr>
+          <p:spPr>
+            <a:xfrm>
+              <a:off x="2577817" y="3444808"/>
+              <a:ext cx="900000" cy="1080000"/>
+            </a:xfrm>
+            <a:prstGeom prst="roundRect">
+              <a:avLst/>
+            </a:prstGeom>
+            <a:solidFill>
+              <a:schemeClr val="accent1">
+                <a:alpha val="80000"/>
+              </a:schemeClr>
+            </a:solidFill>
+          </p:spPr>
+          <p:style>
+            <a:lnRef idx="2">
+              <a:schemeClr val="accent1">
+                <a:shade val="50000"/>
+              </a:schemeClr>
+            </a:lnRef>
+            <a:fillRef idx="1">
+              <a:schemeClr val="accent1"/>
+            </a:fillRef>
+            <a:effectRef idx="0">
+              <a:schemeClr val="accent1"/>
+            </a:effectRef>
+            <a:fontRef idx="minor">
+              <a:schemeClr val="lt1"/>
+            </a:fontRef>
+          </p:style>
+          <p:txBody>
+            <a:bodyPr rtlCol="0" anchor="ctr"/>
+            <a:lstStyle/>
+            <a:p>
+              <a:pPr algn="ctr"/>
+              <a:r>
+                <a:rPr lang="en-US" sz="1200" dirty="0"/>
+                <a:t>Motor Encoder Interface</a:t>
+              </a:r>
+            </a:p>
+          </p:txBody>
+        </p:sp>
+        <p:sp>
+          <p:nvSpPr>
+            <p:cNvPr id="5" name="Rectangle 4">
+              <a:extLst>
+                <a:ext uri="{FF2B5EF4-FFF2-40B4-BE49-F238E27FC236}">
+                  <a16:creationId xmlns:a16="http://schemas.microsoft.com/office/drawing/2014/main" id="{29D7C8DF-1F2A-47B8-8173-FC2161DF1F1D}"/>
+                </a:ext>
+              </a:extLst>
+            </p:cNvPr>
+            <p:cNvSpPr/>
+            <p:nvPr/>
+          </p:nvSpPr>
+          <p:spPr>
+            <a:xfrm>
+              <a:off x="912803" y="3444808"/>
+              <a:ext cx="720000" cy="1080000"/>
+            </a:xfrm>
+            <a:prstGeom prst="rect">
+              <a:avLst/>
+            </a:prstGeom>
+          </p:spPr>
+          <p:style>
+            <a:lnRef idx="2">
+              <a:schemeClr val="accent1">
+                <a:shade val="50000"/>
+              </a:schemeClr>
+            </a:lnRef>
+            <a:fillRef idx="1">
+              <a:schemeClr val="accent1"/>
+            </a:fillRef>
+            <a:effectRef idx="0">
+              <a:schemeClr val="accent1"/>
+            </a:effectRef>
+            <a:fontRef idx="minor">
+              <a:schemeClr val="lt1"/>
+            </a:fontRef>
+          </p:style>
+          <p:txBody>
+            <a:bodyPr rtlCol="0" anchor="ctr"/>
+            <a:lstStyle/>
+            <a:p>
+              <a:pPr algn="ctr"/>
+              <a:r>
+                <a:rPr lang="en-US" sz="1200" dirty="0"/>
+                <a:t>Motor</a:t>
+              </a:r>
+            </a:p>
+            <a:p>
+              <a:pPr algn="ctr"/>
+              <a:r>
+                <a:rPr lang="en-US" sz="1200" dirty="0"/>
+                <a:t>Encoder</a:t>
+              </a:r>
+            </a:p>
+          </p:txBody>
+        </p:sp>
+        <p:sp>
+          <p:nvSpPr>
+            <p:cNvPr id="6" name="Rectangle 5">
+              <a:extLst>
+                <a:ext uri="{FF2B5EF4-FFF2-40B4-BE49-F238E27FC236}">
+                  <a16:creationId xmlns:a16="http://schemas.microsoft.com/office/drawing/2014/main" id="{5543F16C-2A2C-40D4-9E3B-FB2187832926}"/>
+                </a:ext>
+              </a:extLst>
+            </p:cNvPr>
+            <p:cNvSpPr/>
+            <p:nvPr/>
+          </p:nvSpPr>
+          <p:spPr>
+            <a:xfrm>
+              <a:off x="912804" y="4850439"/>
+              <a:ext cx="720000" cy="1080000"/>
+            </a:xfrm>
+            <a:prstGeom prst="rect">
+              <a:avLst/>
+            </a:prstGeom>
+          </p:spPr>
+          <p:style>
+            <a:lnRef idx="2">
+              <a:schemeClr val="accent1">
+                <a:shade val="50000"/>
+              </a:schemeClr>
+            </a:lnRef>
+            <a:fillRef idx="1">
+              <a:schemeClr val="accent1"/>
+            </a:fillRef>
+            <a:effectRef idx="0">
+              <a:schemeClr val="accent1"/>
+            </a:effectRef>
+            <a:fontRef idx="minor">
+              <a:schemeClr val="lt1"/>
+            </a:fontRef>
+          </p:style>
+          <p:txBody>
+            <a:bodyPr rtlCol="0" anchor="ctr"/>
+            <a:lstStyle/>
+            <a:p>
+              <a:pPr algn="ctr"/>
+              <a:r>
+                <a:rPr lang="en-US" sz="1200" dirty="0"/>
+                <a:t>Motor</a:t>
+              </a:r>
+            </a:p>
+            <a:p>
+              <a:pPr algn="ctr"/>
+              <a:r>
+                <a:rPr lang="en-US" sz="1200" dirty="0"/>
+                <a:t>Encoder</a:t>
+              </a:r>
+            </a:p>
+          </p:txBody>
+        </p:sp>
+        <p:sp>
+          <p:nvSpPr>
+            <p:cNvPr id="7" name="Rectangle 6">
+              <a:extLst>
+                <a:ext uri="{FF2B5EF4-FFF2-40B4-BE49-F238E27FC236}">
+                  <a16:creationId xmlns:a16="http://schemas.microsoft.com/office/drawing/2014/main" id="{2808D7F2-4F03-4D36-83A2-CF3B9C942F75}"/>
+                </a:ext>
+              </a:extLst>
+            </p:cNvPr>
+            <p:cNvSpPr/>
+            <p:nvPr/>
+          </p:nvSpPr>
+          <p:spPr>
+            <a:xfrm>
+              <a:off x="912803" y="2039177"/>
+              <a:ext cx="720000" cy="1080000"/>
+            </a:xfrm>
+            <a:prstGeom prst="rect">
+              <a:avLst/>
+            </a:prstGeom>
+          </p:spPr>
+          <p:style>
+            <a:lnRef idx="2">
+              <a:schemeClr val="accent1">
+                <a:shade val="50000"/>
+              </a:schemeClr>
+            </a:lnRef>
+            <a:fillRef idx="1">
+              <a:schemeClr val="accent1"/>
+            </a:fillRef>
+            <a:effectRef idx="0">
+              <a:schemeClr val="accent1"/>
+            </a:effectRef>
+            <a:fontRef idx="minor">
+              <a:schemeClr val="lt1"/>
+            </a:fontRef>
+          </p:style>
+          <p:txBody>
+            <a:bodyPr rtlCol="0" anchor="ctr"/>
+            <a:lstStyle/>
+            <a:p>
+              <a:pPr algn="ctr"/>
+              <a:r>
+                <a:rPr lang="en-US" sz="1200" dirty="0"/>
+                <a:t>White Line sensor</a:t>
+              </a:r>
+            </a:p>
+          </p:txBody>
+        </p:sp>
+        <p:sp>
+          <p:nvSpPr>
+            <p:cNvPr id="8" name="Rectangle: Rounded Corners 7">
+              <a:extLst>
+                <a:ext uri="{FF2B5EF4-FFF2-40B4-BE49-F238E27FC236}">
+                  <a16:creationId xmlns:a16="http://schemas.microsoft.com/office/drawing/2014/main" id="{A69F342C-9067-4C2F-9D02-7E0D4CCD096C}"/>
+                </a:ext>
+              </a:extLst>
+            </p:cNvPr>
+            <p:cNvSpPr/>
+            <p:nvPr/>
+          </p:nvSpPr>
+          <p:spPr>
+            <a:xfrm>
+              <a:off x="2577816" y="2039176"/>
+              <a:ext cx="900000" cy="1080000"/>
+            </a:xfrm>
+            <a:prstGeom prst="roundRect">
+              <a:avLst/>
+            </a:prstGeom>
+            <a:solidFill>
+              <a:schemeClr val="accent1">
+                <a:alpha val="80000"/>
+              </a:schemeClr>
+            </a:solidFill>
+          </p:spPr>
+          <p:style>
+            <a:lnRef idx="2">
+              <a:schemeClr val="accent1">
+                <a:shade val="50000"/>
+              </a:schemeClr>
+            </a:lnRef>
+            <a:fillRef idx="1">
+              <a:schemeClr val="accent1"/>
+            </a:fillRef>
+            <a:effectRef idx="0">
+              <a:schemeClr val="accent1"/>
+            </a:effectRef>
+            <a:fontRef idx="minor">
+              <a:schemeClr val="lt1"/>
+            </a:fontRef>
+          </p:style>
+          <p:txBody>
+            <a:bodyPr rtlCol="0" anchor="ctr"/>
+            <a:lstStyle/>
+            <a:p>
+              <a:pPr algn="ctr"/>
+              <a:r>
+                <a:rPr lang="en-US" sz="1200" dirty="0"/>
+                <a:t>ADC Interface</a:t>
+              </a:r>
+            </a:p>
+          </p:txBody>
+        </p:sp>
+        <p:sp>
+          <p:nvSpPr>
+            <p:cNvPr id="9" name="Rectangle: Rounded Corners 8">
+              <a:extLst>
+                <a:ext uri="{FF2B5EF4-FFF2-40B4-BE49-F238E27FC236}">
+                  <a16:creationId xmlns:a16="http://schemas.microsoft.com/office/drawing/2014/main" id="{71F4C865-BA92-4343-8AB1-D5A8C3DE0F90}"/>
+                </a:ext>
+              </a:extLst>
+            </p:cNvPr>
+            <p:cNvSpPr/>
+            <p:nvPr/>
+          </p:nvSpPr>
+          <p:spPr>
+            <a:xfrm>
+              <a:off x="2577816" y="4847026"/>
+              <a:ext cx="900000" cy="1080000"/>
+            </a:xfrm>
+            <a:prstGeom prst="roundRect">
+              <a:avLst/>
+            </a:prstGeom>
+            <a:solidFill>
+              <a:schemeClr val="accent1">
+                <a:alpha val="80000"/>
+              </a:schemeClr>
+            </a:solidFill>
+          </p:spPr>
+          <p:style>
+            <a:lnRef idx="2">
+              <a:schemeClr val="accent1">
+                <a:shade val="50000"/>
+              </a:schemeClr>
+            </a:lnRef>
+            <a:fillRef idx="1">
+              <a:schemeClr val="accent1"/>
+            </a:fillRef>
+            <a:effectRef idx="0">
+              <a:schemeClr val="accent1"/>
+            </a:effectRef>
+            <a:fontRef idx="minor">
+              <a:schemeClr val="lt1"/>
+            </a:fontRef>
+          </p:style>
+          <p:txBody>
+            <a:bodyPr rtlCol="0" anchor="ctr"/>
+            <a:lstStyle/>
+            <a:p>
+              <a:pPr algn="ctr"/>
+              <a:r>
+                <a:rPr lang="en-US" sz="1200" dirty="0"/>
+                <a:t>Motor Encoder Interface</a:t>
+              </a:r>
+            </a:p>
+          </p:txBody>
+        </p:sp>
+        <p:sp>
+          <p:nvSpPr>
+            <p:cNvPr id="10" name="Rectangle: Rounded Corners 9">
+              <a:extLst>
+                <a:ext uri="{FF2B5EF4-FFF2-40B4-BE49-F238E27FC236}">
+                  <a16:creationId xmlns:a16="http://schemas.microsoft.com/office/drawing/2014/main" id="{1C2CA555-B80D-4B5E-AEC0-4490BCDD815D}"/>
+                </a:ext>
+              </a:extLst>
+            </p:cNvPr>
+            <p:cNvSpPr/>
+            <p:nvPr/>
+          </p:nvSpPr>
+          <p:spPr>
+            <a:xfrm>
+              <a:off x="6444410" y="3091979"/>
+              <a:ext cx="1080000" cy="720000"/>
+            </a:xfrm>
+            <a:prstGeom prst="roundRect">
+              <a:avLst/>
+            </a:prstGeom>
+            <a:solidFill>
+              <a:schemeClr val="accent1">
+                <a:alpha val="80000"/>
+              </a:schemeClr>
+            </a:solidFill>
+          </p:spPr>
+          <p:style>
+            <a:lnRef idx="2">
+              <a:schemeClr val="accent1">
+                <a:shade val="50000"/>
+              </a:schemeClr>
+            </a:lnRef>
+            <a:fillRef idx="1">
+              <a:schemeClr val="accent1"/>
+            </a:fillRef>
+            <a:effectRef idx="0">
+              <a:schemeClr val="accent1"/>
+            </a:effectRef>
+            <a:fontRef idx="minor">
+              <a:schemeClr val="lt1"/>
+            </a:fontRef>
+          </p:style>
+          <p:txBody>
+            <a:bodyPr rtlCol="0" anchor="ctr"/>
+            <a:lstStyle/>
+            <a:p>
+              <a:pPr algn="ctr"/>
+              <a:r>
+                <a:rPr lang="en-US" sz="1200" dirty="0"/>
+                <a:t>Robot Direction</a:t>
+              </a:r>
+            </a:p>
+          </p:txBody>
+        </p:sp>
+        <p:sp>
+          <p:nvSpPr>
+            <p:cNvPr id="11" name="Rectangle: Rounded Corners 10">
+              <a:extLst>
+                <a:ext uri="{FF2B5EF4-FFF2-40B4-BE49-F238E27FC236}">
+                  <a16:creationId xmlns:a16="http://schemas.microsoft.com/office/drawing/2014/main" id="{2163320E-EBC9-444C-B3F2-2B19CA7871F7}"/>
+                </a:ext>
+              </a:extLst>
+            </p:cNvPr>
+            <p:cNvSpPr/>
+            <p:nvPr/>
+          </p:nvSpPr>
+          <p:spPr>
+            <a:xfrm>
+              <a:off x="6444410" y="4136185"/>
+              <a:ext cx="1080000" cy="720000"/>
+            </a:xfrm>
+            <a:prstGeom prst="roundRect">
+              <a:avLst/>
+            </a:prstGeom>
+            <a:solidFill>
+              <a:schemeClr val="accent1">
+                <a:alpha val="80000"/>
+              </a:schemeClr>
+            </a:solidFill>
+          </p:spPr>
+          <p:style>
+            <a:lnRef idx="2">
+              <a:schemeClr val="accent1">
+                <a:shade val="50000"/>
+              </a:schemeClr>
+            </a:lnRef>
+            <a:fillRef idx="1">
+              <a:schemeClr val="accent1"/>
+            </a:fillRef>
+            <a:effectRef idx="0">
+              <a:schemeClr val="accent1"/>
+            </a:effectRef>
+            <a:fontRef idx="minor">
+              <a:schemeClr val="lt1"/>
+            </a:fontRef>
+          </p:style>
+          <p:txBody>
+            <a:bodyPr rtlCol="0" anchor="ctr"/>
+            <a:lstStyle/>
+            <a:p>
+              <a:pPr algn="ctr"/>
+              <a:r>
+                <a:rPr lang="en-US" sz="1200" dirty="0"/>
+                <a:t>PWM Generator</a:t>
+              </a:r>
+            </a:p>
+          </p:txBody>
+        </p:sp>
+        <p:sp>
+          <p:nvSpPr>
+            <p:cNvPr id="12" name="Rectangle: Rounded Corners 11">
+              <a:extLst>
+                <a:ext uri="{FF2B5EF4-FFF2-40B4-BE49-F238E27FC236}">
+                  <a16:creationId xmlns:a16="http://schemas.microsoft.com/office/drawing/2014/main" id="{ADD13CEE-ADB6-458F-9CA1-7F5627DA6710}"/>
+                </a:ext>
+              </a:extLst>
+            </p:cNvPr>
+            <p:cNvSpPr/>
+            <p:nvPr/>
+          </p:nvSpPr>
+          <p:spPr>
+            <a:xfrm>
+              <a:off x="6444410" y="5207026"/>
+              <a:ext cx="1080000" cy="720000"/>
+            </a:xfrm>
+            <a:prstGeom prst="roundRect">
+              <a:avLst/>
+            </a:prstGeom>
+            <a:solidFill>
+              <a:schemeClr val="accent1">
+                <a:alpha val="80000"/>
+              </a:schemeClr>
+            </a:solidFill>
+          </p:spPr>
+          <p:style>
+            <a:lnRef idx="2">
+              <a:schemeClr val="accent1">
+                <a:shade val="50000"/>
+              </a:schemeClr>
+            </a:lnRef>
+            <a:fillRef idx="1">
+              <a:schemeClr val="accent1"/>
+            </a:fillRef>
+            <a:effectRef idx="0">
+              <a:schemeClr val="accent1"/>
+            </a:effectRef>
+            <a:fontRef idx="minor">
+              <a:schemeClr val="lt1"/>
+            </a:fontRef>
+          </p:style>
+          <p:txBody>
+            <a:bodyPr rtlCol="0" anchor="ctr"/>
+            <a:lstStyle/>
+            <a:p>
+              <a:pPr algn="ctr"/>
+              <a:r>
+                <a:rPr lang="en-US" sz="1200" dirty="0"/>
+                <a:t>PWM Generator</a:t>
+              </a:r>
+            </a:p>
+          </p:txBody>
+        </p:sp>
+        <p:sp>
+          <p:nvSpPr>
+            <p:cNvPr id="13" name="Rectangle: Rounded Corners 12">
+              <a:extLst>
+                <a:ext uri="{FF2B5EF4-FFF2-40B4-BE49-F238E27FC236}">
+                  <a16:creationId xmlns:a16="http://schemas.microsoft.com/office/drawing/2014/main" id="{88EE7F80-E2A0-45B7-BD51-2EBA635AEBD7}"/>
+                </a:ext>
+              </a:extLst>
+            </p:cNvPr>
+            <p:cNvSpPr/>
+            <p:nvPr/>
+          </p:nvSpPr>
+          <p:spPr>
+            <a:xfrm>
+              <a:off x="6444410" y="2039176"/>
+              <a:ext cx="1080000" cy="720000"/>
+            </a:xfrm>
+            <a:prstGeom prst="roundRect">
+              <a:avLst/>
+            </a:prstGeom>
+            <a:solidFill>
+              <a:schemeClr val="accent1">
+                <a:alpha val="80000"/>
+              </a:schemeClr>
+            </a:solidFill>
+          </p:spPr>
+          <p:style>
+            <a:lnRef idx="2">
+              <a:schemeClr val="accent1">
+                <a:shade val="50000"/>
+              </a:schemeClr>
+            </a:lnRef>
+            <a:fillRef idx="1">
+              <a:schemeClr val="accent1"/>
+            </a:fillRef>
+            <a:effectRef idx="0">
+              <a:schemeClr val="accent1"/>
+            </a:effectRef>
+            <a:fontRef idx="minor">
+              <a:schemeClr val="lt1"/>
+            </a:fontRef>
+          </p:style>
+          <p:txBody>
+            <a:bodyPr rtlCol="0" anchor="ctr"/>
+            <a:lstStyle/>
+            <a:p>
+              <a:pPr algn="ctr"/>
+              <a:r>
+                <a:rPr lang="en-US" sz="1200" dirty="0"/>
+                <a:t>LCD Interface</a:t>
+              </a:r>
+            </a:p>
+          </p:txBody>
+        </p:sp>
+        <p:sp>
+          <p:nvSpPr>
+            <p:cNvPr id="14" name="Rectangle: Rounded Corners 13">
+              <a:extLst>
+                <a:ext uri="{FF2B5EF4-FFF2-40B4-BE49-F238E27FC236}">
+                  <a16:creationId xmlns:a16="http://schemas.microsoft.com/office/drawing/2014/main" id="{57D25E75-8CD5-4FF2-B778-2D9B203FE4AE}"/>
+                </a:ext>
+              </a:extLst>
+            </p:cNvPr>
+            <p:cNvSpPr/>
+            <p:nvPr/>
+          </p:nvSpPr>
+          <p:spPr>
+            <a:xfrm>
+              <a:off x="4422828" y="3013897"/>
+              <a:ext cx="1080000" cy="720000"/>
+            </a:xfrm>
+            <a:prstGeom prst="roundRect">
+              <a:avLst/>
+            </a:prstGeom>
+            <a:solidFill>
+              <a:schemeClr val="accent1">
+                <a:alpha val="80000"/>
+              </a:schemeClr>
+            </a:solidFill>
+          </p:spPr>
+          <p:style>
+            <a:lnRef idx="2">
+              <a:schemeClr val="accent1">
+                <a:shade val="50000"/>
+              </a:schemeClr>
+            </a:lnRef>
+            <a:fillRef idx="1">
+              <a:schemeClr val="accent1"/>
+            </a:fillRef>
+            <a:effectRef idx="0">
+              <a:schemeClr val="accent1"/>
+            </a:effectRef>
+            <a:fontRef idx="minor">
+              <a:schemeClr val="lt1"/>
+            </a:fontRef>
+          </p:style>
+          <p:txBody>
+            <a:bodyPr rtlCol="0" anchor="ctr"/>
+            <a:lstStyle/>
+            <a:p>
+              <a:pPr algn="ctr"/>
+              <a:r>
+                <a:rPr lang="en-US" sz="1200" dirty="0"/>
+                <a:t>Robot Orientation</a:t>
+              </a:r>
+            </a:p>
+          </p:txBody>
+        </p:sp>
+        <p:sp>
+          <p:nvSpPr>
+            <p:cNvPr id="15" name="Rectangle: Rounded Corners 14">
+              <a:extLst>
+                <a:ext uri="{FF2B5EF4-FFF2-40B4-BE49-F238E27FC236}">
+                  <a16:creationId xmlns:a16="http://schemas.microsoft.com/office/drawing/2014/main" id="{8152899E-B8D4-42D2-988C-E8ED404F9FE1}"/>
+                </a:ext>
+              </a:extLst>
+            </p:cNvPr>
+            <p:cNvSpPr/>
+            <p:nvPr/>
+          </p:nvSpPr>
+          <p:spPr>
+            <a:xfrm>
+              <a:off x="4422828" y="4325917"/>
+              <a:ext cx="1080000" cy="1417320"/>
+            </a:xfrm>
+            <a:prstGeom prst="roundRect">
+              <a:avLst/>
+            </a:prstGeom>
+            <a:solidFill>
+              <a:schemeClr val="accent1">
+                <a:alpha val="80000"/>
+              </a:schemeClr>
+            </a:solidFill>
+          </p:spPr>
+          <p:style>
+            <a:lnRef idx="2">
+              <a:schemeClr val="accent1">
+                <a:shade val="50000"/>
+              </a:schemeClr>
+            </a:lnRef>
+            <a:fillRef idx="1">
+              <a:schemeClr val="accent1"/>
+            </a:fillRef>
+            <a:effectRef idx="0">
+              <a:schemeClr val="accent1"/>
+            </a:effectRef>
+            <a:fontRef idx="minor">
+              <a:schemeClr val="lt1"/>
+            </a:fontRef>
+          </p:style>
+          <p:txBody>
+            <a:bodyPr rtlCol="0" anchor="ctr"/>
+            <a:lstStyle/>
+            <a:p>
+              <a:pPr algn="ctr"/>
+              <a:r>
+                <a:rPr lang="en-US" sz="1200" dirty="0"/>
+                <a:t>Robot Movements</a:t>
+              </a:r>
+            </a:p>
+          </p:txBody>
+        </p:sp>
+        <p:cxnSp>
+          <p:nvCxnSpPr>
+            <p:cNvPr id="17" name="Straight Connector 16">
+              <a:extLst>
+                <a:ext uri="{FF2B5EF4-FFF2-40B4-BE49-F238E27FC236}">
+                  <a16:creationId xmlns:a16="http://schemas.microsoft.com/office/drawing/2014/main" id="{874114BE-7DE0-4F3D-8368-67402FD2BAB8}"/>
+                </a:ext>
+              </a:extLst>
+            </p:cNvPr>
+            <p:cNvCxnSpPr>
+              <a:cxnSpLocks/>
+            </p:cNvCxnSpPr>
+            <p:nvPr/>
+          </p:nvCxnSpPr>
+          <p:spPr>
+            <a:xfrm>
+              <a:off x="3453527" y="2246323"/>
+              <a:ext cx="2990883" cy="0"/>
+            </a:xfrm>
+            <a:prstGeom prst="line">
+              <a:avLst/>
+            </a:prstGeom>
+            <a:ln>
+              <a:tailEnd type="triangle"/>
+            </a:ln>
+          </p:spPr>
+          <p:style>
+            <a:lnRef idx="1">
+              <a:schemeClr val="accent1"/>
+            </a:lnRef>
+            <a:fillRef idx="0">
+              <a:schemeClr val="accent1"/>
+            </a:fillRef>
+            <a:effectRef idx="0">
+              <a:schemeClr val="accent1"/>
+            </a:effectRef>
+            <a:fontRef idx="minor">
+              <a:schemeClr val="tx1"/>
+            </a:fontRef>
+          </p:style>
+        </p:cxnSp>
+        <p:cxnSp>
+          <p:nvCxnSpPr>
+            <p:cNvPr id="18" name="Straight Connector 17">
+              <a:extLst>
+                <a:ext uri="{FF2B5EF4-FFF2-40B4-BE49-F238E27FC236}">
+                  <a16:creationId xmlns:a16="http://schemas.microsoft.com/office/drawing/2014/main" id="{7F31F84C-B464-4392-9863-3F1206564E7A}"/>
+                </a:ext>
+              </a:extLst>
+            </p:cNvPr>
+            <p:cNvCxnSpPr>
+              <a:cxnSpLocks/>
+              <a:endCxn id="13" idx="1"/>
+            </p:cNvCxnSpPr>
+            <p:nvPr/>
+          </p:nvCxnSpPr>
+          <p:spPr>
+            <a:xfrm>
+              <a:off x="3453527" y="2399176"/>
+              <a:ext cx="2990883" cy="0"/>
+            </a:xfrm>
+            <a:prstGeom prst="line">
+              <a:avLst/>
+            </a:prstGeom>
+            <a:ln>
+              <a:tailEnd type="triangle"/>
+            </a:ln>
+          </p:spPr>
+          <p:style>
+            <a:lnRef idx="1">
+              <a:schemeClr val="accent1"/>
+            </a:lnRef>
+            <a:fillRef idx="0">
+              <a:schemeClr val="accent1"/>
+            </a:fillRef>
+            <a:effectRef idx="0">
+              <a:schemeClr val="accent1"/>
+            </a:effectRef>
+            <a:fontRef idx="minor">
+              <a:schemeClr val="tx1"/>
+            </a:fontRef>
+          </p:style>
+        </p:cxnSp>
+        <p:cxnSp>
+          <p:nvCxnSpPr>
+            <p:cNvPr id="19" name="Straight Connector 18">
+              <a:extLst>
+                <a:ext uri="{FF2B5EF4-FFF2-40B4-BE49-F238E27FC236}">
+                  <a16:creationId xmlns:a16="http://schemas.microsoft.com/office/drawing/2014/main" id="{BB2EA2BE-79F5-4331-A7C5-C4884D2B4B4B}"/>
+                </a:ext>
+              </a:extLst>
+            </p:cNvPr>
+            <p:cNvCxnSpPr>
+              <a:cxnSpLocks/>
+            </p:cNvCxnSpPr>
+            <p:nvPr/>
+          </p:nvCxnSpPr>
+          <p:spPr>
+            <a:xfrm>
+              <a:off x="3453527" y="2551576"/>
+              <a:ext cx="2990883" cy="0"/>
+            </a:xfrm>
+            <a:prstGeom prst="line">
+              <a:avLst/>
+            </a:prstGeom>
+            <a:ln>
+              <a:tailEnd type="triangle"/>
+            </a:ln>
+          </p:spPr>
+          <p:style>
+            <a:lnRef idx="1">
+              <a:schemeClr val="accent1"/>
+            </a:lnRef>
+            <a:fillRef idx="0">
+              <a:schemeClr val="accent1"/>
+            </a:fillRef>
+            <a:effectRef idx="0">
+              <a:schemeClr val="accent1"/>
+            </a:effectRef>
+            <a:fontRef idx="minor">
+              <a:schemeClr val="tx1"/>
+            </a:fontRef>
+          </p:style>
+        </p:cxnSp>
+        <p:cxnSp>
+          <p:nvCxnSpPr>
+            <p:cNvPr id="24" name="Straight Connector 23">
+              <a:extLst>
+                <a:ext uri="{FF2B5EF4-FFF2-40B4-BE49-F238E27FC236}">
+                  <a16:creationId xmlns:a16="http://schemas.microsoft.com/office/drawing/2014/main" id="{EF36BE47-4BB3-4434-809B-044572C1BECE}"/>
+                </a:ext>
+              </a:extLst>
+            </p:cNvPr>
+            <p:cNvCxnSpPr>
+              <a:cxnSpLocks/>
+            </p:cNvCxnSpPr>
+            <p:nvPr/>
+          </p:nvCxnSpPr>
+          <p:spPr>
+            <a:xfrm flipV="1">
+              <a:off x="1632803" y="2428552"/>
+              <a:ext cx="945013" cy="1"/>
+            </a:xfrm>
+            <a:prstGeom prst="line">
+              <a:avLst/>
+            </a:prstGeom>
+            <a:ln>
+              <a:tailEnd type="triangle"/>
+            </a:ln>
+          </p:spPr>
+          <p:style>
+            <a:lnRef idx="1">
+              <a:schemeClr val="accent1"/>
+            </a:lnRef>
+            <a:fillRef idx="0">
+              <a:schemeClr val="accent1"/>
+            </a:fillRef>
+            <a:effectRef idx="0">
+              <a:schemeClr val="accent1"/>
+            </a:effectRef>
+            <a:fontRef idx="minor">
+              <a:schemeClr val="tx1"/>
+            </a:fontRef>
+          </p:style>
+        </p:cxnSp>
+        <p:cxnSp>
+          <p:nvCxnSpPr>
+            <p:cNvPr id="25" name="Straight Connector 24">
+              <a:extLst>
+                <a:ext uri="{FF2B5EF4-FFF2-40B4-BE49-F238E27FC236}">
+                  <a16:creationId xmlns:a16="http://schemas.microsoft.com/office/drawing/2014/main" id="{B697CBA1-C627-425E-AB2E-9BDD498E4C36}"/>
+                </a:ext>
+              </a:extLst>
+            </p:cNvPr>
+            <p:cNvCxnSpPr>
+              <a:cxnSpLocks/>
+              <a:endCxn id="8" idx="1"/>
+            </p:cNvCxnSpPr>
+            <p:nvPr/>
+          </p:nvCxnSpPr>
+          <p:spPr>
+            <a:xfrm flipV="1">
+              <a:off x="1632803" y="2579176"/>
+              <a:ext cx="945013" cy="426"/>
+            </a:xfrm>
+            <a:prstGeom prst="line">
+              <a:avLst/>
+            </a:prstGeom>
+            <a:ln>
+              <a:tailEnd type="triangle"/>
+            </a:ln>
+          </p:spPr>
+          <p:style>
+            <a:lnRef idx="1">
+              <a:schemeClr val="accent1"/>
+            </a:lnRef>
+            <a:fillRef idx="0">
+              <a:schemeClr val="accent1"/>
+            </a:fillRef>
+            <a:effectRef idx="0">
+              <a:schemeClr val="accent1"/>
+            </a:effectRef>
+            <a:fontRef idx="minor">
+              <a:schemeClr val="tx1"/>
+            </a:fontRef>
+          </p:style>
+        </p:cxnSp>
+        <p:cxnSp>
+          <p:nvCxnSpPr>
+            <p:cNvPr id="26" name="Straight Connector 25">
+              <a:extLst>
+                <a:ext uri="{FF2B5EF4-FFF2-40B4-BE49-F238E27FC236}">
+                  <a16:creationId xmlns:a16="http://schemas.microsoft.com/office/drawing/2014/main" id="{FB41CAFD-D8CC-4100-8ADE-9031DA97598A}"/>
+                </a:ext>
+              </a:extLst>
+            </p:cNvPr>
+            <p:cNvCxnSpPr>
+              <a:cxnSpLocks/>
+            </p:cNvCxnSpPr>
+            <p:nvPr/>
+          </p:nvCxnSpPr>
+          <p:spPr>
+            <a:xfrm flipV="1">
+              <a:off x="1632803" y="2732001"/>
+              <a:ext cx="945013" cy="1"/>
+            </a:xfrm>
+            <a:prstGeom prst="line">
+              <a:avLst/>
+            </a:prstGeom>
+            <a:ln>
+              <a:tailEnd type="triangle"/>
+            </a:ln>
+          </p:spPr>
+          <p:style>
+            <a:lnRef idx="1">
+              <a:schemeClr val="accent1"/>
+            </a:lnRef>
+            <a:fillRef idx="0">
+              <a:schemeClr val="accent1"/>
+            </a:fillRef>
+            <a:effectRef idx="0">
+              <a:schemeClr val="accent1"/>
+            </a:effectRef>
+            <a:fontRef idx="minor">
+              <a:schemeClr val="tx1"/>
+            </a:fontRef>
+          </p:style>
+        </p:cxnSp>
+        <p:cxnSp>
+          <p:nvCxnSpPr>
+            <p:cNvPr id="33" name="Straight Arrow Connector 32">
+              <a:extLst>
+                <a:ext uri="{FF2B5EF4-FFF2-40B4-BE49-F238E27FC236}">
+                  <a16:creationId xmlns:a16="http://schemas.microsoft.com/office/drawing/2014/main" id="{A073B0E5-F1C1-43F1-8DED-BD8F72DDF974}"/>
+                </a:ext>
+              </a:extLst>
+            </p:cNvPr>
+            <p:cNvCxnSpPr>
+              <a:cxnSpLocks/>
+            </p:cNvCxnSpPr>
+            <p:nvPr/>
+          </p:nvCxnSpPr>
+          <p:spPr>
+            <a:xfrm>
+              <a:off x="4813339" y="2246323"/>
+              <a:ext cx="0" cy="765669"/>
+            </a:xfrm>
+            <a:prstGeom prst="straightConnector1">
+              <a:avLst/>
+            </a:prstGeom>
+            <a:ln>
+              <a:headEnd type="oval"/>
+              <a:tailEnd type="triangle"/>
+            </a:ln>
+          </p:spPr>
+          <p:style>
+            <a:lnRef idx="1">
+              <a:schemeClr val="accent1"/>
+            </a:lnRef>
+            <a:fillRef idx="0">
+              <a:schemeClr val="accent1"/>
+            </a:fillRef>
+            <a:effectRef idx="0">
+              <a:schemeClr val="accent1"/>
+            </a:effectRef>
+            <a:fontRef idx="minor">
+              <a:schemeClr val="tx1"/>
+            </a:fontRef>
+          </p:style>
+        </p:cxnSp>
+        <p:cxnSp>
+          <p:nvCxnSpPr>
+            <p:cNvPr id="42" name="Straight Arrow Connector 41">
+              <a:extLst>
+                <a:ext uri="{FF2B5EF4-FFF2-40B4-BE49-F238E27FC236}">
+                  <a16:creationId xmlns:a16="http://schemas.microsoft.com/office/drawing/2014/main" id="{F9C5C9B0-0977-47B3-8544-34CDCC353CFD}"/>
+                </a:ext>
+              </a:extLst>
+            </p:cNvPr>
+            <p:cNvCxnSpPr>
+              <a:cxnSpLocks/>
+              <a:endCxn id="14" idx="0"/>
+            </p:cNvCxnSpPr>
+            <p:nvPr/>
+          </p:nvCxnSpPr>
+          <p:spPr>
+            <a:xfrm>
+              <a:off x="4959398" y="2401081"/>
+              <a:ext cx="3430" cy="612816"/>
+            </a:xfrm>
+            <a:prstGeom prst="straightConnector1">
+              <a:avLst/>
+            </a:prstGeom>
+            <a:ln>
+              <a:headEnd type="oval"/>
+              <a:tailEnd type="triangle"/>
+            </a:ln>
+          </p:spPr>
+          <p:style>
+            <a:lnRef idx="1">
+              <a:schemeClr val="accent1"/>
+            </a:lnRef>
+            <a:fillRef idx="0">
+              <a:schemeClr val="accent1"/>
+            </a:fillRef>
+            <a:effectRef idx="0">
+              <a:schemeClr val="accent1"/>
+            </a:effectRef>
+            <a:fontRef idx="minor">
+              <a:schemeClr val="tx1"/>
+            </a:fontRef>
+          </p:style>
+        </p:cxnSp>
+        <p:cxnSp>
+          <p:nvCxnSpPr>
+            <p:cNvPr id="43" name="Straight Arrow Connector 42">
+              <a:extLst>
+                <a:ext uri="{FF2B5EF4-FFF2-40B4-BE49-F238E27FC236}">
+                  <a16:creationId xmlns:a16="http://schemas.microsoft.com/office/drawing/2014/main" id="{0BCB79D1-D6D5-4666-9AE9-63CE597DC7B0}"/>
+                </a:ext>
+              </a:extLst>
+            </p:cNvPr>
+            <p:cNvCxnSpPr>
+              <a:cxnSpLocks/>
+            </p:cNvCxnSpPr>
+            <p:nvPr/>
+          </p:nvCxnSpPr>
+          <p:spPr>
+            <a:xfrm>
+              <a:off x="5118139" y="2551576"/>
+              <a:ext cx="0" cy="460416"/>
+            </a:xfrm>
+            <a:prstGeom prst="straightConnector1">
+              <a:avLst/>
+            </a:prstGeom>
+            <a:ln>
+              <a:headEnd type="oval"/>
+              <a:tailEnd type="triangle"/>
+            </a:ln>
+          </p:spPr>
+          <p:style>
+            <a:lnRef idx="1">
+              <a:schemeClr val="accent1"/>
+            </a:lnRef>
+            <a:fillRef idx="0">
+              <a:schemeClr val="accent1"/>
+            </a:fillRef>
+            <a:effectRef idx="0">
+              <a:schemeClr val="accent1"/>
+            </a:effectRef>
+            <a:fontRef idx="minor">
+              <a:schemeClr val="tx1"/>
+            </a:fontRef>
+          </p:style>
+        </p:cxnSp>
+        <p:cxnSp>
+          <p:nvCxnSpPr>
+            <p:cNvPr id="52" name="Straight Arrow Connector 51">
+              <a:extLst>
+                <a:ext uri="{FF2B5EF4-FFF2-40B4-BE49-F238E27FC236}">
+                  <a16:creationId xmlns:a16="http://schemas.microsoft.com/office/drawing/2014/main" id="{4FEBC705-8FD2-465A-8D9E-08A38DF1A87B}"/>
+                </a:ext>
+              </a:extLst>
+            </p:cNvPr>
+            <p:cNvCxnSpPr>
+              <a:cxnSpLocks/>
+            </p:cNvCxnSpPr>
+            <p:nvPr/>
+          </p:nvCxnSpPr>
+          <p:spPr>
+            <a:xfrm>
+              <a:off x="1632803" y="3916228"/>
+              <a:ext cx="945013" cy="0"/>
+            </a:xfrm>
+            <a:prstGeom prst="straightConnector1">
+              <a:avLst/>
+            </a:prstGeom>
+            <a:ln>
+              <a:tailEnd type="triangle"/>
+            </a:ln>
+          </p:spPr>
+          <p:style>
+            <a:lnRef idx="1">
+              <a:schemeClr val="accent1"/>
+            </a:lnRef>
+            <a:fillRef idx="0">
+              <a:schemeClr val="accent1"/>
+            </a:fillRef>
+            <a:effectRef idx="0">
+              <a:schemeClr val="accent1"/>
+            </a:effectRef>
+            <a:fontRef idx="minor">
+              <a:schemeClr val="tx1"/>
+            </a:fontRef>
+          </p:style>
+        </p:cxnSp>
+        <p:cxnSp>
+          <p:nvCxnSpPr>
+            <p:cNvPr id="53" name="Straight Arrow Connector 52">
+              <a:extLst>
+                <a:ext uri="{FF2B5EF4-FFF2-40B4-BE49-F238E27FC236}">
+                  <a16:creationId xmlns:a16="http://schemas.microsoft.com/office/drawing/2014/main" id="{7B0ABB43-13D2-4064-A026-FC7771F9D3FC}"/>
+                </a:ext>
+              </a:extLst>
+            </p:cNvPr>
+            <p:cNvCxnSpPr>
+              <a:cxnSpLocks/>
+            </p:cNvCxnSpPr>
+            <p:nvPr/>
+          </p:nvCxnSpPr>
+          <p:spPr>
+            <a:xfrm>
+              <a:off x="1632803" y="4067605"/>
+              <a:ext cx="945013" cy="0"/>
+            </a:xfrm>
+            <a:prstGeom prst="straightConnector1">
+              <a:avLst/>
+            </a:prstGeom>
+            <a:ln>
+              <a:tailEnd type="triangle"/>
+            </a:ln>
+          </p:spPr>
+          <p:style>
+            <a:lnRef idx="1">
+              <a:schemeClr val="accent1"/>
+            </a:lnRef>
+            <a:fillRef idx="0">
+              <a:schemeClr val="accent1"/>
+            </a:fillRef>
+            <a:effectRef idx="0">
+              <a:schemeClr val="accent1"/>
+            </a:effectRef>
+            <a:fontRef idx="minor">
+              <a:schemeClr val="tx1"/>
+            </a:fontRef>
+          </p:style>
+        </p:cxnSp>
+        <p:cxnSp>
+          <p:nvCxnSpPr>
+            <p:cNvPr id="54" name="Straight Arrow Connector 53">
+              <a:extLst>
+                <a:ext uri="{FF2B5EF4-FFF2-40B4-BE49-F238E27FC236}">
+                  <a16:creationId xmlns:a16="http://schemas.microsoft.com/office/drawing/2014/main" id="{F38A59CE-1980-4817-9B1C-CD3039508008}"/>
+                </a:ext>
+              </a:extLst>
+            </p:cNvPr>
+            <p:cNvCxnSpPr>
+              <a:cxnSpLocks/>
+            </p:cNvCxnSpPr>
+            <p:nvPr/>
+          </p:nvCxnSpPr>
+          <p:spPr>
+            <a:xfrm>
+              <a:off x="1632803" y="5310688"/>
+              <a:ext cx="945013" cy="0"/>
+            </a:xfrm>
+            <a:prstGeom prst="straightConnector1">
+              <a:avLst/>
+            </a:prstGeom>
+            <a:ln>
+              <a:tailEnd type="triangle"/>
+            </a:ln>
+          </p:spPr>
+          <p:style>
+            <a:lnRef idx="1">
+              <a:schemeClr val="accent1"/>
+            </a:lnRef>
+            <a:fillRef idx="0">
+              <a:schemeClr val="accent1"/>
+            </a:fillRef>
+            <a:effectRef idx="0">
+              <a:schemeClr val="accent1"/>
+            </a:effectRef>
+            <a:fontRef idx="minor">
+              <a:schemeClr val="tx1"/>
+            </a:fontRef>
+          </p:style>
+        </p:cxnSp>
+        <p:cxnSp>
+          <p:nvCxnSpPr>
+            <p:cNvPr id="55" name="Straight Arrow Connector 54">
+              <a:extLst>
+                <a:ext uri="{FF2B5EF4-FFF2-40B4-BE49-F238E27FC236}">
+                  <a16:creationId xmlns:a16="http://schemas.microsoft.com/office/drawing/2014/main" id="{3B8D42D5-AA9E-4230-B0ED-D84C493E5E31}"/>
+                </a:ext>
+              </a:extLst>
+            </p:cNvPr>
+            <p:cNvCxnSpPr>
+              <a:cxnSpLocks/>
+            </p:cNvCxnSpPr>
+            <p:nvPr/>
+          </p:nvCxnSpPr>
+          <p:spPr>
+            <a:xfrm>
+              <a:off x="1632803" y="5462065"/>
+              <a:ext cx="945013" cy="0"/>
+            </a:xfrm>
+            <a:prstGeom prst="straightConnector1">
+              <a:avLst/>
+            </a:prstGeom>
+            <a:ln>
+              <a:tailEnd type="triangle"/>
+            </a:ln>
+          </p:spPr>
+          <p:style>
+            <a:lnRef idx="1">
+              <a:schemeClr val="accent1"/>
+            </a:lnRef>
+            <a:fillRef idx="0">
+              <a:schemeClr val="accent1"/>
+            </a:fillRef>
+            <a:effectRef idx="0">
+              <a:schemeClr val="accent1"/>
+            </a:effectRef>
+            <a:fontRef idx="minor">
+              <a:schemeClr val="tx1"/>
+            </a:fontRef>
+          </p:style>
+        </p:cxnSp>
+        <p:cxnSp>
+          <p:nvCxnSpPr>
+            <p:cNvPr id="57" name="Straight Arrow Connector 56">
+              <a:extLst>
+                <a:ext uri="{FF2B5EF4-FFF2-40B4-BE49-F238E27FC236}">
+                  <a16:creationId xmlns:a16="http://schemas.microsoft.com/office/drawing/2014/main" id="{B5FCA55C-FF88-4D11-BC00-49DB56542F06}"/>
+                </a:ext>
+              </a:extLst>
+            </p:cNvPr>
+            <p:cNvCxnSpPr>
+              <a:cxnSpLocks/>
+              <a:stCxn id="9" idx="3"/>
+            </p:cNvCxnSpPr>
+            <p:nvPr/>
+          </p:nvCxnSpPr>
+          <p:spPr>
+            <a:xfrm>
+              <a:off x="3477816" y="5387026"/>
+              <a:ext cx="945012" cy="0"/>
+            </a:xfrm>
+            <a:prstGeom prst="straightConnector1">
+              <a:avLst/>
+            </a:prstGeom>
+            <a:ln>
+              <a:tailEnd type="triangle"/>
+            </a:ln>
+          </p:spPr>
+          <p:style>
+            <a:lnRef idx="1">
+              <a:schemeClr val="accent1"/>
+            </a:lnRef>
+            <a:fillRef idx="0">
+              <a:schemeClr val="accent1"/>
+            </a:fillRef>
+            <a:effectRef idx="0">
+              <a:schemeClr val="accent1"/>
+            </a:effectRef>
+            <a:fontRef idx="minor">
+              <a:schemeClr val="tx1"/>
+            </a:fontRef>
+          </p:style>
+        </p:cxnSp>
+        <p:cxnSp>
+          <p:nvCxnSpPr>
+            <p:cNvPr id="63" name="Straight Connector 62">
+              <a:extLst>
+                <a:ext uri="{FF2B5EF4-FFF2-40B4-BE49-F238E27FC236}">
+                  <a16:creationId xmlns:a16="http://schemas.microsoft.com/office/drawing/2014/main" id="{7AFFFA4D-0CAC-44A5-8035-1FF267C60ECC}"/>
+                </a:ext>
+              </a:extLst>
+            </p:cNvPr>
+            <p:cNvCxnSpPr>
+              <a:cxnSpLocks/>
+            </p:cNvCxnSpPr>
+            <p:nvPr/>
+          </p:nvCxnSpPr>
+          <p:spPr>
+            <a:xfrm>
+              <a:off x="7507263" y="2323487"/>
+              <a:ext cx="452634" cy="0"/>
+            </a:xfrm>
+            <a:prstGeom prst="line">
+              <a:avLst/>
+            </a:prstGeom>
+            <a:ln>
+              <a:tailEnd type="none" w="lg" len="med"/>
+            </a:ln>
+          </p:spPr>
+          <p:style>
+            <a:lnRef idx="1">
+              <a:schemeClr val="accent1"/>
+            </a:lnRef>
+            <a:fillRef idx="0">
+              <a:schemeClr val="accent1"/>
+            </a:fillRef>
+            <a:effectRef idx="0">
+              <a:schemeClr val="accent1"/>
+            </a:effectRef>
+            <a:fontRef idx="minor">
+              <a:schemeClr val="tx1"/>
+            </a:fontRef>
+          </p:style>
+        </p:cxnSp>
+        <p:cxnSp>
+          <p:nvCxnSpPr>
+            <p:cNvPr id="65" name="Straight Connector 64">
+              <a:extLst>
+                <a:ext uri="{FF2B5EF4-FFF2-40B4-BE49-F238E27FC236}">
+                  <a16:creationId xmlns:a16="http://schemas.microsoft.com/office/drawing/2014/main" id="{6DA5F99E-9DA3-4938-B11B-68CBF02EC1F8}"/>
+                </a:ext>
+              </a:extLst>
+            </p:cNvPr>
+            <p:cNvCxnSpPr>
+              <a:cxnSpLocks/>
+            </p:cNvCxnSpPr>
+            <p:nvPr/>
+          </p:nvCxnSpPr>
+          <p:spPr>
+            <a:xfrm>
+              <a:off x="7959897" y="2323487"/>
+              <a:ext cx="0" cy="435689"/>
+            </a:xfrm>
+            <a:prstGeom prst="line">
+              <a:avLst/>
+            </a:prstGeom>
+            <a:ln>
+              <a:tailEnd type="none" w="lg" len="med"/>
+            </a:ln>
+          </p:spPr>
+          <p:style>
+            <a:lnRef idx="1">
+              <a:schemeClr val="accent1"/>
+            </a:lnRef>
+            <a:fillRef idx="0">
+              <a:schemeClr val="accent1"/>
+            </a:fillRef>
+            <a:effectRef idx="0">
+              <a:schemeClr val="accent1"/>
+            </a:effectRef>
+            <a:fontRef idx="minor">
+              <a:schemeClr val="tx1"/>
+            </a:fontRef>
+          </p:style>
+        </p:cxnSp>
+        <p:cxnSp>
+          <p:nvCxnSpPr>
+            <p:cNvPr id="68" name="Straight Arrow Connector 67">
+              <a:extLst>
+                <a:ext uri="{FF2B5EF4-FFF2-40B4-BE49-F238E27FC236}">
+                  <a16:creationId xmlns:a16="http://schemas.microsoft.com/office/drawing/2014/main" id="{136D473E-EE11-4AC2-96B5-54894B5D0924}"/>
+                </a:ext>
+              </a:extLst>
+            </p:cNvPr>
+            <p:cNvCxnSpPr>
+              <a:cxnSpLocks/>
+            </p:cNvCxnSpPr>
+            <p:nvPr/>
+          </p:nvCxnSpPr>
+          <p:spPr>
+            <a:xfrm>
+              <a:off x="7959897" y="2759176"/>
+              <a:ext cx="516667" cy="0"/>
+            </a:xfrm>
+            <a:prstGeom prst="straightConnector1">
+              <a:avLst/>
+            </a:prstGeom>
+            <a:ln>
+              <a:tailEnd type="triangle"/>
+            </a:ln>
+          </p:spPr>
+          <p:style>
+            <a:lnRef idx="1">
+              <a:schemeClr val="accent1"/>
+            </a:lnRef>
+            <a:fillRef idx="0">
+              <a:schemeClr val="accent1"/>
+            </a:fillRef>
+            <a:effectRef idx="0">
+              <a:schemeClr val="accent1"/>
+            </a:effectRef>
+            <a:fontRef idx="minor">
+              <a:schemeClr val="tx1"/>
+            </a:fontRef>
+          </p:style>
+        </p:cxnSp>
+        <p:cxnSp>
+          <p:nvCxnSpPr>
+            <p:cNvPr id="71" name="Straight Arrow Connector 70">
+              <a:extLst>
+                <a:ext uri="{FF2B5EF4-FFF2-40B4-BE49-F238E27FC236}">
+                  <a16:creationId xmlns:a16="http://schemas.microsoft.com/office/drawing/2014/main" id="{3D68BFF2-1DFC-4635-B95B-83AA0721300F}"/>
+                </a:ext>
+              </a:extLst>
+            </p:cNvPr>
+            <p:cNvCxnSpPr>
+              <a:stCxn id="14" idx="2"/>
+              <a:endCxn id="15" idx="0"/>
+            </p:cNvCxnSpPr>
+            <p:nvPr/>
+          </p:nvCxnSpPr>
+          <p:spPr>
+            <a:xfrm>
+              <a:off x="4962828" y="3733897"/>
+              <a:ext cx="0" cy="592020"/>
+            </a:xfrm>
+            <a:prstGeom prst="straightConnector1">
+              <a:avLst/>
+            </a:prstGeom>
+            <a:ln>
+              <a:tailEnd type="triangle"/>
+            </a:ln>
+          </p:spPr>
+          <p:style>
+            <a:lnRef idx="1">
+              <a:schemeClr val="accent1"/>
+            </a:lnRef>
+            <a:fillRef idx="0">
+              <a:schemeClr val="accent1"/>
+            </a:fillRef>
+            <a:effectRef idx="0">
+              <a:schemeClr val="accent1"/>
+            </a:effectRef>
+            <a:fontRef idx="minor">
+              <a:schemeClr val="tx1"/>
+            </a:fontRef>
+          </p:style>
+        </p:cxnSp>
+        <p:sp>
+          <p:nvSpPr>
+            <p:cNvPr id="72" name="Rectangle 71">
+              <a:extLst>
+                <a:ext uri="{FF2B5EF4-FFF2-40B4-BE49-F238E27FC236}">
+                  <a16:creationId xmlns:a16="http://schemas.microsoft.com/office/drawing/2014/main" id="{EDF2A6B8-958C-498A-AA6B-6986C3B6B8A5}"/>
+                </a:ext>
+              </a:extLst>
+            </p:cNvPr>
+            <p:cNvSpPr/>
+            <p:nvPr/>
+          </p:nvSpPr>
+          <p:spPr>
+            <a:xfrm>
+              <a:off x="8470033" y="3619564"/>
+              <a:ext cx="720000" cy="2268906"/>
+            </a:xfrm>
+            <a:prstGeom prst="rect">
+              <a:avLst/>
+            </a:prstGeom>
+          </p:spPr>
+          <p:style>
+            <a:lnRef idx="2">
+              <a:schemeClr val="accent1">
+                <a:shade val="50000"/>
+              </a:schemeClr>
+            </a:lnRef>
+            <a:fillRef idx="1">
+              <a:schemeClr val="accent1"/>
+            </a:fillRef>
+            <a:effectRef idx="0">
+              <a:schemeClr val="accent1"/>
+            </a:effectRef>
+            <a:fontRef idx="minor">
+              <a:schemeClr val="lt1"/>
+            </a:fontRef>
+          </p:style>
+          <p:txBody>
+            <a:bodyPr rtlCol="0" anchor="ctr"/>
+            <a:lstStyle/>
+            <a:p>
+              <a:pPr algn="ctr"/>
+              <a:r>
+                <a:rPr lang="en-US" sz="1200" dirty="0"/>
+                <a:t>Motor Driver</a:t>
+              </a:r>
+            </a:p>
+            <a:p>
+              <a:pPr algn="ctr"/>
+              <a:r>
+                <a:rPr lang="en-US" sz="1200" dirty="0"/>
+                <a:t>(L298N)</a:t>
+              </a:r>
+            </a:p>
+          </p:txBody>
+        </p:sp>
+        <p:sp>
+          <p:nvSpPr>
+            <p:cNvPr id="73" name="Rectangle 72">
+              <a:extLst>
+                <a:ext uri="{FF2B5EF4-FFF2-40B4-BE49-F238E27FC236}">
+                  <a16:creationId xmlns:a16="http://schemas.microsoft.com/office/drawing/2014/main" id="{0A56F088-5E91-4637-B5AC-AF3D6A4D5DFD}"/>
+                </a:ext>
+              </a:extLst>
+            </p:cNvPr>
+            <p:cNvSpPr/>
+            <p:nvPr/>
+          </p:nvSpPr>
+          <p:spPr>
+            <a:xfrm>
+              <a:off x="10131004" y="3689904"/>
+              <a:ext cx="720000" cy="892562"/>
+            </a:xfrm>
+            <a:prstGeom prst="rect">
+              <a:avLst/>
+            </a:prstGeom>
+          </p:spPr>
+          <p:style>
+            <a:lnRef idx="2">
+              <a:schemeClr val="accent1">
+                <a:shade val="50000"/>
+              </a:schemeClr>
+            </a:lnRef>
+            <a:fillRef idx="1">
+              <a:schemeClr val="accent1"/>
+            </a:fillRef>
+            <a:effectRef idx="0">
+              <a:schemeClr val="accent1"/>
+            </a:effectRef>
+            <a:fontRef idx="minor">
+              <a:schemeClr val="lt1"/>
+            </a:fontRef>
+          </p:style>
+          <p:txBody>
+            <a:bodyPr rtlCol="0" anchor="ctr"/>
+            <a:lstStyle/>
+            <a:p>
+              <a:pPr algn="ctr"/>
+              <a:r>
+                <a:rPr lang="en-US" sz="1200" dirty="0"/>
+                <a:t>Motor</a:t>
+              </a:r>
+            </a:p>
+          </p:txBody>
+        </p:sp>
+        <p:sp>
+          <p:nvSpPr>
+            <p:cNvPr id="74" name="Rectangle 73">
+              <a:extLst>
+                <a:ext uri="{FF2B5EF4-FFF2-40B4-BE49-F238E27FC236}">
+                  <a16:creationId xmlns:a16="http://schemas.microsoft.com/office/drawing/2014/main" id="{C0B30AC3-D81F-416B-817B-6AE2BC4CDC6F}"/>
+                </a:ext>
+              </a:extLst>
+            </p:cNvPr>
+            <p:cNvSpPr/>
+            <p:nvPr/>
+          </p:nvSpPr>
+          <p:spPr>
+            <a:xfrm>
+              <a:off x="8470033" y="2211450"/>
+              <a:ext cx="720000" cy="1080000"/>
+            </a:xfrm>
+            <a:prstGeom prst="rect">
+              <a:avLst/>
+            </a:prstGeom>
+          </p:spPr>
+          <p:style>
+            <a:lnRef idx="2">
+              <a:schemeClr val="accent1">
+                <a:shade val="50000"/>
+              </a:schemeClr>
+            </a:lnRef>
+            <a:fillRef idx="1">
+              <a:schemeClr val="accent1"/>
+            </a:fillRef>
+            <a:effectRef idx="0">
+              <a:schemeClr val="accent1"/>
+            </a:effectRef>
+            <a:fontRef idx="minor">
+              <a:schemeClr val="lt1"/>
+            </a:fontRef>
+          </p:style>
+          <p:txBody>
+            <a:bodyPr rtlCol="0" anchor="ctr"/>
+            <a:lstStyle/>
+            <a:p>
+              <a:pPr algn="ctr"/>
+              <a:r>
+                <a:rPr lang="en-US" sz="1400" dirty="0"/>
+                <a:t>LCD</a:t>
+              </a:r>
+            </a:p>
+          </p:txBody>
+        </p:sp>
+        <p:cxnSp>
+          <p:nvCxnSpPr>
+            <p:cNvPr id="101" name="Straight Arrow Connector 100">
+              <a:extLst>
+                <a:ext uri="{FF2B5EF4-FFF2-40B4-BE49-F238E27FC236}">
+                  <a16:creationId xmlns:a16="http://schemas.microsoft.com/office/drawing/2014/main" id="{592E709D-A31C-403F-AF0D-8FC7B125A74A}"/>
+                </a:ext>
+              </a:extLst>
+            </p:cNvPr>
+            <p:cNvCxnSpPr>
+              <a:cxnSpLocks/>
+            </p:cNvCxnSpPr>
+            <p:nvPr/>
+          </p:nvCxnSpPr>
+          <p:spPr>
+            <a:xfrm>
+              <a:off x="5927743" y="5569451"/>
+              <a:ext cx="516667" cy="0"/>
+            </a:xfrm>
+            <a:prstGeom prst="straightConnector1">
+              <a:avLst/>
+            </a:prstGeom>
+            <a:ln>
+              <a:tailEnd type="triangle"/>
+            </a:ln>
+          </p:spPr>
+          <p:style>
+            <a:lnRef idx="1">
+              <a:schemeClr val="accent1"/>
+            </a:lnRef>
+            <a:fillRef idx="0">
+              <a:schemeClr val="accent1"/>
+            </a:fillRef>
+            <a:effectRef idx="0">
+              <a:schemeClr val="accent1"/>
+            </a:effectRef>
+            <a:fontRef idx="minor">
+              <a:schemeClr val="tx1"/>
+            </a:fontRef>
+          </p:style>
+        </p:cxnSp>
+        <p:cxnSp>
+          <p:nvCxnSpPr>
+            <p:cNvPr id="102" name="Straight Connector 101">
+              <a:extLst>
+                <a:ext uri="{FF2B5EF4-FFF2-40B4-BE49-F238E27FC236}">
+                  <a16:creationId xmlns:a16="http://schemas.microsoft.com/office/drawing/2014/main" id="{E43F9BFD-EA36-49F3-A672-416279282E67}"/>
+                </a:ext>
+              </a:extLst>
+            </p:cNvPr>
+            <p:cNvCxnSpPr>
+              <a:cxnSpLocks/>
+            </p:cNvCxnSpPr>
+            <p:nvPr/>
+          </p:nvCxnSpPr>
+          <p:spPr>
+            <a:xfrm>
+              <a:off x="5927743" y="5387026"/>
+              <a:ext cx="0" cy="182425"/>
+            </a:xfrm>
+            <a:prstGeom prst="line">
+              <a:avLst/>
+            </a:prstGeom>
+            <a:ln>
+              <a:tailEnd type="none" w="lg" len="med"/>
+            </a:ln>
+          </p:spPr>
+          <p:style>
+            <a:lnRef idx="1">
+              <a:schemeClr val="accent1"/>
+            </a:lnRef>
+            <a:fillRef idx="0">
+              <a:schemeClr val="accent1"/>
+            </a:fillRef>
+            <a:effectRef idx="0">
+              <a:schemeClr val="accent1"/>
+            </a:effectRef>
+            <a:fontRef idx="minor">
+              <a:schemeClr val="tx1"/>
+            </a:fontRef>
+          </p:style>
+        </p:cxnSp>
+        <p:cxnSp>
+          <p:nvCxnSpPr>
+            <p:cNvPr id="103" name="Straight Connector 102">
+              <a:extLst>
+                <a:ext uri="{FF2B5EF4-FFF2-40B4-BE49-F238E27FC236}">
+                  <a16:creationId xmlns:a16="http://schemas.microsoft.com/office/drawing/2014/main" id="{67A50597-39DC-42EB-B742-7FEE6D36B4FB}"/>
+                </a:ext>
+              </a:extLst>
+            </p:cNvPr>
+            <p:cNvCxnSpPr>
+              <a:cxnSpLocks/>
+            </p:cNvCxnSpPr>
+            <p:nvPr/>
+          </p:nvCxnSpPr>
+          <p:spPr>
+            <a:xfrm>
+              <a:off x="5502828" y="5387026"/>
+              <a:ext cx="424532" cy="0"/>
+            </a:xfrm>
+            <a:prstGeom prst="line">
+              <a:avLst/>
+            </a:prstGeom>
+            <a:ln>
+              <a:tailEnd type="none" w="lg" len="med"/>
+            </a:ln>
+          </p:spPr>
+          <p:style>
+            <a:lnRef idx="1">
+              <a:schemeClr val="accent1"/>
+            </a:lnRef>
+            <a:fillRef idx="0">
+              <a:schemeClr val="accent1"/>
+            </a:fillRef>
+            <a:effectRef idx="0">
+              <a:schemeClr val="accent1"/>
+            </a:effectRef>
+            <a:fontRef idx="minor">
+              <a:schemeClr val="tx1"/>
+            </a:fontRef>
+          </p:style>
+        </p:cxnSp>
+        <p:cxnSp>
+          <p:nvCxnSpPr>
+            <p:cNvPr id="104" name="Straight Connector 103">
+              <a:extLst>
+                <a:ext uri="{FF2B5EF4-FFF2-40B4-BE49-F238E27FC236}">
+                  <a16:creationId xmlns:a16="http://schemas.microsoft.com/office/drawing/2014/main" id="{5BC2FB6F-A7A2-4A43-9D2D-B7C53771E675}"/>
+                </a:ext>
+              </a:extLst>
+            </p:cNvPr>
+            <p:cNvCxnSpPr>
+              <a:cxnSpLocks/>
+            </p:cNvCxnSpPr>
+            <p:nvPr/>
+          </p:nvCxnSpPr>
+          <p:spPr>
+            <a:xfrm>
+              <a:off x="5502828" y="5057883"/>
+              <a:ext cx="576924" cy="0"/>
+            </a:xfrm>
+            <a:prstGeom prst="line">
+              <a:avLst/>
+            </a:prstGeom>
+            <a:ln>
+              <a:tailEnd type="none" w="lg" len="med"/>
+            </a:ln>
+          </p:spPr>
+          <p:style>
+            <a:lnRef idx="1">
+              <a:schemeClr val="accent1"/>
+            </a:lnRef>
+            <a:fillRef idx="0">
+              <a:schemeClr val="accent1"/>
+            </a:fillRef>
+            <a:effectRef idx="0">
+              <a:schemeClr val="accent1"/>
+            </a:effectRef>
+            <a:fontRef idx="minor">
+              <a:schemeClr val="tx1"/>
+            </a:fontRef>
+          </p:style>
+        </p:cxnSp>
+        <p:cxnSp>
+          <p:nvCxnSpPr>
+            <p:cNvPr id="105" name="Straight Connector 104">
+              <a:extLst>
+                <a:ext uri="{FF2B5EF4-FFF2-40B4-BE49-F238E27FC236}">
+                  <a16:creationId xmlns:a16="http://schemas.microsoft.com/office/drawing/2014/main" id="{6B6B0AD1-BAD3-41F0-A092-E4824A0FF6DC}"/>
+                </a:ext>
+              </a:extLst>
+            </p:cNvPr>
+            <p:cNvCxnSpPr>
+              <a:cxnSpLocks/>
+            </p:cNvCxnSpPr>
+            <p:nvPr/>
+          </p:nvCxnSpPr>
+          <p:spPr>
+            <a:xfrm>
+              <a:off x="6079752" y="4500596"/>
+              <a:ext cx="0" cy="557287"/>
+            </a:xfrm>
+            <a:prstGeom prst="line">
+              <a:avLst/>
+            </a:prstGeom>
+            <a:ln>
+              <a:tailEnd type="none" w="lg" len="med"/>
+            </a:ln>
+          </p:spPr>
+          <p:style>
+            <a:lnRef idx="1">
+              <a:schemeClr val="accent1"/>
+            </a:lnRef>
+            <a:fillRef idx="0">
+              <a:schemeClr val="accent1"/>
+            </a:fillRef>
+            <a:effectRef idx="0">
+              <a:schemeClr val="accent1"/>
+            </a:effectRef>
+            <a:fontRef idx="minor">
+              <a:schemeClr val="tx1"/>
+            </a:fontRef>
+          </p:style>
+        </p:cxnSp>
+        <p:cxnSp>
+          <p:nvCxnSpPr>
+            <p:cNvPr id="106" name="Straight Arrow Connector 105">
+              <a:extLst>
+                <a:ext uri="{FF2B5EF4-FFF2-40B4-BE49-F238E27FC236}">
+                  <a16:creationId xmlns:a16="http://schemas.microsoft.com/office/drawing/2014/main" id="{5086A109-5E21-436C-BCBF-A937C9846F72}"/>
+                </a:ext>
+              </a:extLst>
+            </p:cNvPr>
+            <p:cNvCxnSpPr>
+              <a:cxnSpLocks/>
+            </p:cNvCxnSpPr>
+            <p:nvPr/>
+          </p:nvCxnSpPr>
+          <p:spPr>
+            <a:xfrm>
+              <a:off x="6079752" y="4500596"/>
+              <a:ext cx="364658" cy="0"/>
+            </a:xfrm>
+            <a:prstGeom prst="straightConnector1">
+              <a:avLst/>
+            </a:prstGeom>
+            <a:ln>
+              <a:tailEnd type="triangle"/>
+            </a:ln>
+          </p:spPr>
+          <p:style>
+            <a:lnRef idx="1">
+              <a:schemeClr val="accent1"/>
+            </a:lnRef>
+            <a:fillRef idx="0">
+              <a:schemeClr val="accent1"/>
+            </a:fillRef>
+            <a:effectRef idx="0">
+              <a:schemeClr val="accent1"/>
+            </a:effectRef>
+            <a:fontRef idx="minor">
+              <a:schemeClr val="tx1"/>
+            </a:fontRef>
+          </p:style>
+        </p:cxnSp>
+        <p:cxnSp>
+          <p:nvCxnSpPr>
+            <p:cNvPr id="121" name="Straight Connector 120">
+              <a:extLst>
+                <a:ext uri="{FF2B5EF4-FFF2-40B4-BE49-F238E27FC236}">
+                  <a16:creationId xmlns:a16="http://schemas.microsoft.com/office/drawing/2014/main" id="{62ED8709-2DC1-4F0D-82A9-B6D99C6BD7A4}"/>
+                </a:ext>
+              </a:extLst>
+            </p:cNvPr>
+            <p:cNvCxnSpPr>
+              <a:cxnSpLocks/>
+            </p:cNvCxnSpPr>
+            <p:nvPr/>
+          </p:nvCxnSpPr>
+          <p:spPr>
+            <a:xfrm>
+              <a:off x="7522503" y="3452428"/>
+              <a:ext cx="434442" cy="0"/>
+            </a:xfrm>
+            <a:prstGeom prst="line">
+              <a:avLst/>
+            </a:prstGeom>
+            <a:ln>
+              <a:tailEnd type="none" w="lg" len="med"/>
+            </a:ln>
+          </p:spPr>
+          <p:style>
+            <a:lnRef idx="1">
+              <a:schemeClr val="accent1"/>
+            </a:lnRef>
+            <a:fillRef idx="0">
+              <a:schemeClr val="accent1"/>
+            </a:fillRef>
+            <a:effectRef idx="0">
+              <a:schemeClr val="accent1"/>
+            </a:effectRef>
+            <a:fontRef idx="minor">
+              <a:schemeClr val="tx1"/>
+            </a:fontRef>
+          </p:style>
+        </p:cxnSp>
+        <p:cxnSp>
+          <p:nvCxnSpPr>
+            <p:cNvPr id="122" name="Straight Connector 121">
+              <a:extLst>
+                <a:ext uri="{FF2B5EF4-FFF2-40B4-BE49-F238E27FC236}">
+                  <a16:creationId xmlns:a16="http://schemas.microsoft.com/office/drawing/2014/main" id="{B9E36E28-E920-4ACC-B311-76E41C430974}"/>
+                </a:ext>
+              </a:extLst>
+            </p:cNvPr>
+            <p:cNvCxnSpPr>
+              <a:cxnSpLocks/>
+            </p:cNvCxnSpPr>
+            <p:nvPr/>
+          </p:nvCxnSpPr>
+          <p:spPr>
+            <a:xfrm>
+              <a:off x="7959897" y="3451979"/>
+              <a:ext cx="0" cy="857086"/>
+            </a:xfrm>
+            <a:prstGeom prst="line">
+              <a:avLst/>
+            </a:prstGeom>
+            <a:ln>
+              <a:tailEnd type="none" w="lg" len="med"/>
+            </a:ln>
+          </p:spPr>
+          <p:style>
+            <a:lnRef idx="1">
+              <a:schemeClr val="accent1"/>
+            </a:lnRef>
+            <a:fillRef idx="0">
+              <a:schemeClr val="accent1"/>
+            </a:fillRef>
+            <a:effectRef idx="0">
+              <a:schemeClr val="accent1"/>
+            </a:effectRef>
+            <a:fontRef idx="minor">
+              <a:schemeClr val="tx1"/>
+            </a:fontRef>
+          </p:style>
+        </p:cxnSp>
+        <p:cxnSp>
+          <p:nvCxnSpPr>
+            <p:cNvPr id="123" name="Straight Arrow Connector 122">
+              <a:extLst>
+                <a:ext uri="{FF2B5EF4-FFF2-40B4-BE49-F238E27FC236}">
+                  <a16:creationId xmlns:a16="http://schemas.microsoft.com/office/drawing/2014/main" id="{30765729-C164-4EA2-A085-EC9B2F1AFDDB}"/>
+                </a:ext>
+              </a:extLst>
+            </p:cNvPr>
+            <p:cNvCxnSpPr>
+              <a:cxnSpLocks/>
+            </p:cNvCxnSpPr>
+            <p:nvPr/>
+          </p:nvCxnSpPr>
+          <p:spPr>
+            <a:xfrm>
+              <a:off x="7959897" y="4309065"/>
+              <a:ext cx="510136" cy="0"/>
+            </a:xfrm>
+            <a:prstGeom prst="straightConnector1">
+              <a:avLst/>
+            </a:prstGeom>
+            <a:ln>
+              <a:tailEnd type="triangle"/>
+            </a:ln>
+          </p:spPr>
+          <p:style>
+            <a:lnRef idx="1">
+              <a:schemeClr val="accent1"/>
+            </a:lnRef>
+            <a:fillRef idx="0">
+              <a:schemeClr val="accent1"/>
+            </a:fillRef>
+            <a:effectRef idx="0">
+              <a:schemeClr val="accent1"/>
+            </a:effectRef>
+            <a:fontRef idx="minor">
+              <a:schemeClr val="tx1"/>
+            </a:fontRef>
+          </p:style>
+        </p:cxnSp>
+        <p:cxnSp>
+          <p:nvCxnSpPr>
+            <p:cNvPr id="128" name="Straight Connector 127">
+              <a:extLst>
+                <a:ext uri="{FF2B5EF4-FFF2-40B4-BE49-F238E27FC236}">
+                  <a16:creationId xmlns:a16="http://schemas.microsoft.com/office/drawing/2014/main" id="{C0C47F94-FDBB-41B7-B679-ADB5EFD31C3C}"/>
+                </a:ext>
+              </a:extLst>
+            </p:cNvPr>
+            <p:cNvCxnSpPr>
+              <a:cxnSpLocks/>
+            </p:cNvCxnSpPr>
+            <p:nvPr/>
+          </p:nvCxnSpPr>
+          <p:spPr>
+            <a:xfrm>
+              <a:off x="3453527" y="3993968"/>
+              <a:ext cx="452634" cy="0"/>
+            </a:xfrm>
+            <a:prstGeom prst="line">
+              <a:avLst/>
+            </a:prstGeom>
+            <a:ln>
+              <a:tailEnd type="none" w="lg" len="med"/>
+            </a:ln>
+          </p:spPr>
+          <p:style>
+            <a:lnRef idx="1">
+              <a:schemeClr val="accent1"/>
+            </a:lnRef>
+            <a:fillRef idx="0">
+              <a:schemeClr val="accent1"/>
+            </a:fillRef>
+            <a:effectRef idx="0">
+              <a:schemeClr val="accent1"/>
+            </a:effectRef>
+            <a:fontRef idx="minor">
+              <a:schemeClr val="tx1"/>
+            </a:fontRef>
+          </p:style>
+        </p:cxnSp>
+        <p:cxnSp>
+          <p:nvCxnSpPr>
+            <p:cNvPr id="129" name="Straight Connector 128">
+              <a:extLst>
+                <a:ext uri="{FF2B5EF4-FFF2-40B4-BE49-F238E27FC236}">
+                  <a16:creationId xmlns:a16="http://schemas.microsoft.com/office/drawing/2014/main" id="{8CBF3E64-4A75-4E78-AB22-FB400489F48B}"/>
+                </a:ext>
+              </a:extLst>
+            </p:cNvPr>
+            <p:cNvCxnSpPr>
+              <a:cxnSpLocks/>
+            </p:cNvCxnSpPr>
+            <p:nvPr/>
+          </p:nvCxnSpPr>
+          <p:spPr>
+            <a:xfrm>
+              <a:off x="3906161" y="3992063"/>
+              <a:ext cx="0" cy="736678"/>
+            </a:xfrm>
+            <a:prstGeom prst="line">
+              <a:avLst/>
+            </a:prstGeom>
+            <a:ln>
+              <a:tailEnd type="none" w="lg" len="med"/>
+            </a:ln>
+          </p:spPr>
+          <p:style>
+            <a:lnRef idx="1">
+              <a:schemeClr val="accent1"/>
+            </a:lnRef>
+            <a:fillRef idx="0">
+              <a:schemeClr val="accent1"/>
+            </a:fillRef>
+            <a:effectRef idx="0">
+              <a:schemeClr val="accent1"/>
+            </a:effectRef>
+            <a:fontRef idx="minor">
+              <a:schemeClr val="tx1"/>
+            </a:fontRef>
+          </p:style>
+        </p:cxnSp>
+        <p:cxnSp>
+          <p:nvCxnSpPr>
+            <p:cNvPr id="130" name="Straight Arrow Connector 129">
+              <a:extLst>
+                <a:ext uri="{FF2B5EF4-FFF2-40B4-BE49-F238E27FC236}">
+                  <a16:creationId xmlns:a16="http://schemas.microsoft.com/office/drawing/2014/main" id="{BA08E914-DF4F-4E21-BF51-FA3EE7C452D2}"/>
+                </a:ext>
+              </a:extLst>
+            </p:cNvPr>
+            <p:cNvCxnSpPr>
+              <a:cxnSpLocks/>
+            </p:cNvCxnSpPr>
+            <p:nvPr/>
+          </p:nvCxnSpPr>
+          <p:spPr>
+            <a:xfrm>
+              <a:off x="3906161" y="4728741"/>
+              <a:ext cx="516667" cy="0"/>
+            </a:xfrm>
+            <a:prstGeom prst="straightConnector1">
+              <a:avLst/>
+            </a:prstGeom>
+            <a:ln>
+              <a:tailEnd type="triangle"/>
+            </a:ln>
+          </p:spPr>
+          <p:style>
+            <a:lnRef idx="1">
+              <a:schemeClr val="accent1"/>
+            </a:lnRef>
+            <a:fillRef idx="0">
+              <a:schemeClr val="accent1"/>
+            </a:fillRef>
+            <a:effectRef idx="0">
+              <a:schemeClr val="accent1"/>
+            </a:effectRef>
+            <a:fontRef idx="minor">
+              <a:schemeClr val="tx1"/>
+            </a:fontRef>
+          </p:style>
+        </p:cxnSp>
+        <p:cxnSp>
+          <p:nvCxnSpPr>
+            <p:cNvPr id="142" name="Straight Arrow Connector 141">
+              <a:extLst>
+                <a:ext uri="{FF2B5EF4-FFF2-40B4-BE49-F238E27FC236}">
+                  <a16:creationId xmlns:a16="http://schemas.microsoft.com/office/drawing/2014/main" id="{2E8E8CFE-7995-4392-AE45-0B44CEDB2678}"/>
+                </a:ext>
+              </a:extLst>
+            </p:cNvPr>
+            <p:cNvCxnSpPr>
+              <a:cxnSpLocks/>
+            </p:cNvCxnSpPr>
+            <p:nvPr/>
+          </p:nvCxnSpPr>
+          <p:spPr>
+            <a:xfrm>
+              <a:off x="7524410" y="4496185"/>
+              <a:ext cx="945623" cy="0"/>
+            </a:xfrm>
+            <a:prstGeom prst="straightConnector1">
+              <a:avLst/>
+            </a:prstGeom>
+            <a:ln>
+              <a:tailEnd type="triangle"/>
+            </a:ln>
+          </p:spPr>
+          <p:style>
+            <a:lnRef idx="1">
+              <a:schemeClr val="accent1"/>
+            </a:lnRef>
+            <a:fillRef idx="0">
+              <a:schemeClr val="accent1"/>
+            </a:fillRef>
+            <a:effectRef idx="0">
+              <a:schemeClr val="accent1"/>
+            </a:effectRef>
+            <a:fontRef idx="minor">
+              <a:schemeClr val="tx1"/>
+            </a:fontRef>
+          </p:style>
+        </p:cxnSp>
+        <p:cxnSp>
+          <p:nvCxnSpPr>
+            <p:cNvPr id="146" name="Straight Connector 145">
+              <a:extLst>
+                <a:ext uri="{FF2B5EF4-FFF2-40B4-BE49-F238E27FC236}">
+                  <a16:creationId xmlns:a16="http://schemas.microsoft.com/office/drawing/2014/main" id="{DFBFD7F8-1ACB-43F9-9250-91A32E4FFD67}"/>
+                </a:ext>
+              </a:extLst>
+            </p:cNvPr>
+            <p:cNvCxnSpPr>
+              <a:cxnSpLocks/>
+            </p:cNvCxnSpPr>
+            <p:nvPr/>
+          </p:nvCxnSpPr>
+          <p:spPr>
+            <a:xfrm>
+              <a:off x="7529348" y="5567026"/>
+              <a:ext cx="427597" cy="0"/>
+            </a:xfrm>
+            <a:prstGeom prst="line">
+              <a:avLst/>
+            </a:prstGeom>
+            <a:ln>
+              <a:tailEnd type="none" w="lg" len="med"/>
+            </a:ln>
+          </p:spPr>
+          <p:style>
+            <a:lnRef idx="1">
+              <a:schemeClr val="accent1"/>
+            </a:lnRef>
+            <a:fillRef idx="0">
+              <a:schemeClr val="accent1"/>
+            </a:fillRef>
+            <a:effectRef idx="0">
+              <a:schemeClr val="accent1"/>
+            </a:effectRef>
+            <a:fontRef idx="minor">
+              <a:schemeClr val="tx1"/>
+            </a:fontRef>
+          </p:style>
+        </p:cxnSp>
+        <p:cxnSp>
+          <p:nvCxnSpPr>
+            <p:cNvPr id="147" name="Straight Connector 146">
+              <a:extLst>
+                <a:ext uri="{FF2B5EF4-FFF2-40B4-BE49-F238E27FC236}">
+                  <a16:creationId xmlns:a16="http://schemas.microsoft.com/office/drawing/2014/main" id="{1850DBEB-EF29-459D-9CB3-9683377C57E1}"/>
+                </a:ext>
+              </a:extLst>
+            </p:cNvPr>
+            <p:cNvCxnSpPr>
+              <a:cxnSpLocks/>
+            </p:cNvCxnSpPr>
+            <p:nvPr/>
+          </p:nvCxnSpPr>
+          <p:spPr>
+            <a:xfrm>
+              <a:off x="7956945" y="4678390"/>
+              <a:ext cx="0" cy="888636"/>
+            </a:xfrm>
+            <a:prstGeom prst="line">
+              <a:avLst/>
+            </a:prstGeom>
+            <a:ln>
+              <a:tailEnd type="none" w="lg" len="med"/>
+            </a:ln>
+          </p:spPr>
+          <p:style>
+            <a:lnRef idx="1">
+              <a:schemeClr val="accent1"/>
+            </a:lnRef>
+            <a:fillRef idx="0">
+              <a:schemeClr val="accent1"/>
+            </a:fillRef>
+            <a:effectRef idx="0">
+              <a:schemeClr val="accent1"/>
+            </a:effectRef>
+            <a:fontRef idx="minor">
+              <a:schemeClr val="tx1"/>
+            </a:fontRef>
+          </p:style>
+        </p:cxnSp>
+        <p:cxnSp>
+          <p:nvCxnSpPr>
+            <p:cNvPr id="148" name="Straight Arrow Connector 147">
+              <a:extLst>
+                <a:ext uri="{FF2B5EF4-FFF2-40B4-BE49-F238E27FC236}">
+                  <a16:creationId xmlns:a16="http://schemas.microsoft.com/office/drawing/2014/main" id="{59E7EDEA-EEB1-4E22-9AB0-79C8DDBC2038}"/>
+                </a:ext>
+              </a:extLst>
+            </p:cNvPr>
+            <p:cNvCxnSpPr>
+              <a:cxnSpLocks/>
+            </p:cNvCxnSpPr>
+            <p:nvPr/>
+          </p:nvCxnSpPr>
+          <p:spPr>
+            <a:xfrm>
+              <a:off x="7956945" y="4678390"/>
+              <a:ext cx="513088" cy="0"/>
+            </a:xfrm>
+            <a:prstGeom prst="straightConnector1">
+              <a:avLst/>
+            </a:prstGeom>
+            <a:ln>
+              <a:tailEnd type="triangle"/>
+            </a:ln>
+          </p:spPr>
+          <p:style>
+            <a:lnRef idx="1">
+              <a:schemeClr val="accent1"/>
+            </a:lnRef>
+            <a:fillRef idx="0">
+              <a:schemeClr val="accent1"/>
+            </a:fillRef>
+            <a:effectRef idx="0">
+              <a:schemeClr val="accent1"/>
+            </a:effectRef>
+            <a:fontRef idx="minor">
+              <a:schemeClr val="tx1"/>
+            </a:fontRef>
+          </p:style>
+        </p:cxnSp>
+        <p:sp>
+          <p:nvSpPr>
+            <p:cNvPr id="158" name="Rectangle 157">
+              <a:extLst>
+                <a:ext uri="{FF2B5EF4-FFF2-40B4-BE49-F238E27FC236}">
+                  <a16:creationId xmlns:a16="http://schemas.microsoft.com/office/drawing/2014/main" id="{2CF97FD2-5055-4B7D-AD5D-1B33AD6A0309}"/>
+                </a:ext>
+              </a:extLst>
+            </p:cNvPr>
+            <p:cNvSpPr/>
+            <p:nvPr/>
+          </p:nvSpPr>
+          <p:spPr>
+            <a:xfrm>
+              <a:off x="2277388" y="1851949"/>
+              <a:ext cx="5547360" cy="4256621"/>
+            </a:xfrm>
+            <a:prstGeom prst="rect">
+              <a:avLst/>
+            </a:prstGeom>
+            <a:noFill/>
+            <a:ln w="22225">
+              <a:prstDash val="dash"/>
+            </a:ln>
+          </p:spPr>
+          <p:style>
+            <a:lnRef idx="2">
+              <a:schemeClr val="accent1">
+                <a:shade val="50000"/>
+              </a:schemeClr>
+            </a:lnRef>
+            <a:fillRef idx="1">
+              <a:schemeClr val="accent1"/>
+            </a:fillRef>
+            <a:effectRef idx="0">
+              <a:schemeClr val="accent1"/>
+            </a:effectRef>
+            <a:fontRef idx="minor">
+              <a:schemeClr val="lt1"/>
+            </a:fontRef>
+          </p:style>
+          <p:txBody>
+            <a:bodyPr rtlCol="0" anchor="ctr"/>
+            <a:lstStyle/>
+            <a:p>
+              <a:pPr algn="ctr"/>
+              <a:endParaRPr lang="en-US" dirty="0"/>
+            </a:p>
+          </p:txBody>
+        </p:sp>
+        <p:sp>
+          <p:nvSpPr>
+            <p:cNvPr id="159" name="Rectangle 158">
+              <a:extLst>
+                <a:ext uri="{FF2B5EF4-FFF2-40B4-BE49-F238E27FC236}">
+                  <a16:creationId xmlns:a16="http://schemas.microsoft.com/office/drawing/2014/main" id="{491111D5-9EB4-4D53-9C87-DCED4A990BBA}"/>
+                </a:ext>
+              </a:extLst>
+            </p:cNvPr>
+            <p:cNvSpPr/>
+            <p:nvPr/>
+          </p:nvSpPr>
+          <p:spPr>
+            <a:xfrm>
+              <a:off x="10131004" y="4878810"/>
+              <a:ext cx="720000" cy="892562"/>
+            </a:xfrm>
+            <a:prstGeom prst="rect">
+              <a:avLst/>
+            </a:prstGeom>
+          </p:spPr>
+          <p:style>
+            <a:lnRef idx="2">
+              <a:schemeClr val="accent1">
+                <a:shade val="50000"/>
+              </a:schemeClr>
+            </a:lnRef>
+            <a:fillRef idx="1">
+              <a:schemeClr val="accent1"/>
+            </a:fillRef>
+            <a:effectRef idx="0">
+              <a:schemeClr val="accent1"/>
+            </a:effectRef>
+            <a:fontRef idx="minor">
+              <a:schemeClr val="lt1"/>
+            </a:fontRef>
+          </p:style>
+          <p:txBody>
+            <a:bodyPr rtlCol="0" anchor="ctr"/>
+            <a:lstStyle/>
+            <a:p>
+              <a:pPr algn="ctr"/>
+              <a:r>
+                <a:rPr lang="en-US" sz="1200" dirty="0"/>
+                <a:t>Motor</a:t>
+              </a:r>
+            </a:p>
+          </p:txBody>
+        </p:sp>
+        <p:cxnSp>
+          <p:nvCxnSpPr>
+            <p:cNvPr id="160" name="Straight Arrow Connector 159">
+              <a:extLst>
+                <a:ext uri="{FF2B5EF4-FFF2-40B4-BE49-F238E27FC236}">
+                  <a16:creationId xmlns:a16="http://schemas.microsoft.com/office/drawing/2014/main" id="{068B3518-D7D7-4E42-A1CE-73E9E73275D9}"/>
+                </a:ext>
+              </a:extLst>
+            </p:cNvPr>
+            <p:cNvCxnSpPr>
+              <a:cxnSpLocks/>
+            </p:cNvCxnSpPr>
+            <p:nvPr/>
+          </p:nvCxnSpPr>
+          <p:spPr>
+            <a:xfrm>
+              <a:off x="9190033" y="4136611"/>
+              <a:ext cx="940971" cy="0"/>
+            </a:xfrm>
+            <a:prstGeom prst="straightConnector1">
+              <a:avLst/>
+            </a:prstGeom>
+            <a:ln>
+              <a:tailEnd type="triangle"/>
+            </a:ln>
+          </p:spPr>
+          <p:style>
+            <a:lnRef idx="1">
+              <a:schemeClr val="accent1"/>
+            </a:lnRef>
+            <a:fillRef idx="0">
+              <a:schemeClr val="accent1"/>
+            </a:fillRef>
+            <a:effectRef idx="0">
+              <a:schemeClr val="accent1"/>
+            </a:effectRef>
+            <a:fontRef idx="minor">
+              <a:schemeClr val="tx1"/>
+            </a:fontRef>
+          </p:style>
+        </p:cxnSp>
+        <p:cxnSp>
+          <p:nvCxnSpPr>
+            <p:cNvPr id="163" name="Straight Arrow Connector 162">
+              <a:extLst>
+                <a:ext uri="{FF2B5EF4-FFF2-40B4-BE49-F238E27FC236}">
+                  <a16:creationId xmlns:a16="http://schemas.microsoft.com/office/drawing/2014/main" id="{F628BEB3-9212-4DEA-87A4-6440ACFE838F}"/>
+                </a:ext>
+              </a:extLst>
+            </p:cNvPr>
+            <p:cNvCxnSpPr>
+              <a:cxnSpLocks/>
+            </p:cNvCxnSpPr>
+            <p:nvPr/>
+          </p:nvCxnSpPr>
+          <p:spPr>
+            <a:xfrm>
+              <a:off x="9190033" y="5325928"/>
+              <a:ext cx="940971" cy="0"/>
+            </a:xfrm>
+            <a:prstGeom prst="straightConnector1">
+              <a:avLst/>
+            </a:prstGeom>
+            <a:ln>
+              <a:tailEnd type="triangle"/>
+            </a:ln>
+          </p:spPr>
+          <p:style>
+            <a:lnRef idx="1">
+              <a:schemeClr val="accent1"/>
+            </a:lnRef>
+            <a:fillRef idx="0">
+              <a:schemeClr val="accent1"/>
+            </a:fillRef>
+            <a:effectRef idx="0">
+              <a:schemeClr val="accent1"/>
+            </a:effectRef>
+            <a:fontRef idx="minor">
+              <a:schemeClr val="tx1"/>
+            </a:fontRef>
+          </p:style>
+        </p:cxnSp>
+        <p:sp>
+          <p:nvSpPr>
+            <p:cNvPr id="169" name="Arrow: Pentagon 168">
+              <a:extLst>
+                <a:ext uri="{FF2B5EF4-FFF2-40B4-BE49-F238E27FC236}">
+                  <a16:creationId xmlns:a16="http://schemas.microsoft.com/office/drawing/2014/main" id="{7E384707-3CFE-4C9B-9902-E05ED331140A}"/>
+                </a:ext>
+              </a:extLst>
+            </p:cNvPr>
+            <p:cNvSpPr/>
+            <p:nvPr/>
+          </p:nvSpPr>
+          <p:spPr>
+            <a:xfrm>
+              <a:off x="3709132" y="4986641"/>
+              <a:ext cx="297913" cy="147564"/>
+            </a:xfrm>
+            <a:prstGeom prst="homePlate">
+              <a:avLst/>
+            </a:prstGeom>
+          </p:spPr>
+          <p:style>
+            <a:lnRef idx="2">
+              <a:schemeClr val="accent1">
+                <a:shade val="50000"/>
+              </a:schemeClr>
+            </a:lnRef>
+            <a:fillRef idx="1">
+              <a:schemeClr val="accent1"/>
+            </a:fillRef>
+            <a:effectRef idx="0">
+              <a:schemeClr val="accent1"/>
+            </a:effectRef>
+            <a:fontRef idx="minor">
+              <a:schemeClr val="lt1"/>
+            </a:fontRef>
+          </p:style>
+          <p:txBody>
+            <a:bodyPr rtlCol="0" anchor="ctr"/>
+            <a:lstStyle/>
+            <a:p>
+              <a:pPr algn="ctr"/>
+              <a:endParaRPr lang="en-US"/>
+            </a:p>
+          </p:txBody>
+        </p:sp>
+        <p:cxnSp>
+          <p:nvCxnSpPr>
+            <p:cNvPr id="170" name="Straight Arrow Connector 169">
+              <a:extLst>
+                <a:ext uri="{FF2B5EF4-FFF2-40B4-BE49-F238E27FC236}">
+                  <a16:creationId xmlns:a16="http://schemas.microsoft.com/office/drawing/2014/main" id="{EBD57026-5CEF-49A9-B8CA-C6B58E34B956}"/>
+                </a:ext>
+              </a:extLst>
+            </p:cNvPr>
+            <p:cNvCxnSpPr>
+              <a:cxnSpLocks/>
+            </p:cNvCxnSpPr>
+            <p:nvPr/>
+          </p:nvCxnSpPr>
+          <p:spPr>
+            <a:xfrm>
+              <a:off x="4007045" y="5057883"/>
+              <a:ext cx="415783" cy="0"/>
+            </a:xfrm>
+            <a:prstGeom prst="straightConnector1">
+              <a:avLst/>
+            </a:prstGeom>
+            <a:ln>
+              <a:tailEnd type="triangle"/>
+            </a:ln>
+          </p:spPr>
+          <p:style>
+            <a:lnRef idx="1">
+              <a:schemeClr val="accent1"/>
+            </a:lnRef>
+            <a:fillRef idx="0">
+              <a:schemeClr val="accent1"/>
+            </a:fillRef>
+            <a:effectRef idx="0">
+              <a:schemeClr val="accent1"/>
+            </a:effectRef>
+            <a:fontRef idx="minor">
+              <a:schemeClr val="tx1"/>
+            </a:fontRef>
+          </p:style>
+        </p:cxnSp>
+        <p:cxnSp>
+          <p:nvCxnSpPr>
+            <p:cNvPr id="172" name="Straight Arrow Connector 171">
+              <a:extLst>
+                <a:ext uri="{FF2B5EF4-FFF2-40B4-BE49-F238E27FC236}">
+                  <a16:creationId xmlns:a16="http://schemas.microsoft.com/office/drawing/2014/main" id="{46A29F3D-2E34-4396-9061-46F54F1AD4E5}"/>
+                </a:ext>
+              </a:extLst>
+            </p:cNvPr>
+            <p:cNvCxnSpPr>
+              <a:cxnSpLocks/>
+            </p:cNvCxnSpPr>
+            <p:nvPr/>
+          </p:nvCxnSpPr>
+          <p:spPr>
+            <a:xfrm>
+              <a:off x="5791294" y="3451979"/>
+              <a:ext cx="653116" cy="0"/>
+            </a:xfrm>
+            <a:prstGeom prst="straightConnector1">
+              <a:avLst/>
+            </a:prstGeom>
+            <a:ln>
+              <a:tailEnd type="triangle"/>
+            </a:ln>
+          </p:spPr>
+          <p:style>
+            <a:lnRef idx="1">
+              <a:schemeClr val="accent1"/>
+            </a:lnRef>
+            <a:fillRef idx="0">
+              <a:schemeClr val="accent1"/>
+            </a:fillRef>
+            <a:effectRef idx="0">
+              <a:schemeClr val="accent1"/>
+            </a:effectRef>
+            <a:fontRef idx="minor">
+              <a:schemeClr val="tx1"/>
+            </a:fontRef>
+          </p:style>
+        </p:cxnSp>
+        <p:grpSp>
+          <p:nvGrpSpPr>
+            <p:cNvPr id="37" name="Group 36">
+              <a:extLst>
+                <a:ext uri="{FF2B5EF4-FFF2-40B4-BE49-F238E27FC236}">
+                  <a16:creationId xmlns:a16="http://schemas.microsoft.com/office/drawing/2014/main" id="{3051A5A0-B25F-4D66-9494-66B5CF67924B}"/>
+                </a:ext>
+              </a:extLst>
+            </p:cNvPr>
+            <p:cNvGrpSpPr/>
+            <p:nvPr/>
+          </p:nvGrpSpPr>
+          <p:grpSpPr>
+            <a:xfrm>
+              <a:off x="9482955" y="1887253"/>
+              <a:ext cx="1439111" cy="730077"/>
+              <a:chOff x="9641322" y="1917444"/>
+              <a:chExt cx="1439111" cy="730077"/>
+            </a:xfrm>
+          </p:grpSpPr>
+          <p:sp>
+            <p:nvSpPr>
+              <p:cNvPr id="174" name="Arrow: Pentagon 173">
+                <a:extLst>
+                  <a:ext uri="{FF2B5EF4-FFF2-40B4-BE49-F238E27FC236}">
+                    <a16:creationId xmlns:a16="http://schemas.microsoft.com/office/drawing/2014/main" id="{199D3F5A-987E-46DD-88AA-26DE3B1500BF}"/>
+                  </a:ext>
+                </a:extLst>
+              </p:cNvPr>
+              <p:cNvSpPr/>
+              <p:nvPr/>
+            </p:nvSpPr>
+            <p:spPr>
+              <a:xfrm>
+                <a:off x="9728399" y="1986375"/>
+                <a:ext cx="252000" cy="144000"/>
+              </a:xfrm>
+              <a:prstGeom prst="homePlate">
+                <a:avLst/>
+              </a:prstGeom>
+            </p:spPr>
+            <p:style>
+              <a:lnRef idx="2">
+                <a:schemeClr val="accent1">
+                  <a:shade val="50000"/>
+                </a:schemeClr>
+              </a:lnRef>
+              <a:fillRef idx="1">
+                <a:schemeClr val="accent1"/>
+              </a:fillRef>
+              <a:effectRef idx="0">
+                <a:schemeClr val="accent1"/>
+              </a:effectRef>
+              <a:fontRef idx="minor">
+                <a:schemeClr val="lt1"/>
+              </a:fontRef>
+            </p:style>
+            <p:txBody>
+              <a:bodyPr rtlCol="0" anchor="ctr"/>
+              <a:lstStyle/>
+              <a:p>
+                <a:pPr algn="ctr"/>
+                <a:endParaRPr lang="en-US" dirty="0"/>
+              </a:p>
+            </p:txBody>
+          </p:sp>
+          <p:sp>
+            <p:nvSpPr>
+              <p:cNvPr id="175" name="Rectangle: Rounded Corners 174">
+                <a:extLst>
+                  <a:ext uri="{FF2B5EF4-FFF2-40B4-BE49-F238E27FC236}">
+                    <a16:creationId xmlns:a16="http://schemas.microsoft.com/office/drawing/2014/main" id="{1490871F-7767-4B48-B9AD-7CC52AB9912F}"/>
+                  </a:ext>
+                </a:extLst>
+              </p:cNvPr>
+              <p:cNvSpPr/>
+              <p:nvPr/>
+            </p:nvSpPr>
+            <p:spPr>
+              <a:xfrm>
+                <a:off x="9706560" y="2223979"/>
+                <a:ext cx="270000" cy="126000"/>
+              </a:xfrm>
+              <a:prstGeom prst="roundRect">
+                <a:avLst/>
+              </a:prstGeom>
+              <a:solidFill>
+                <a:schemeClr val="accent1">
+                  <a:alpha val="80000"/>
+                </a:schemeClr>
+              </a:solidFill>
+            </p:spPr>
+            <p:style>
+              <a:lnRef idx="2">
+                <a:schemeClr val="accent1">
+                  <a:shade val="50000"/>
+                </a:schemeClr>
+              </a:lnRef>
+              <a:fillRef idx="1">
+                <a:schemeClr val="accent1"/>
+              </a:fillRef>
+              <a:effectRef idx="0">
+                <a:schemeClr val="accent1"/>
+              </a:effectRef>
+              <a:fontRef idx="minor">
+                <a:schemeClr val="lt1"/>
+              </a:fontRef>
+            </p:style>
+            <p:txBody>
+              <a:bodyPr rtlCol="0" anchor="ctr"/>
+              <a:lstStyle/>
+              <a:p>
+                <a:pPr algn="ctr"/>
+                <a:endParaRPr lang="en-US" sz="1200" dirty="0"/>
+              </a:p>
+            </p:txBody>
+          </p:sp>
+          <p:sp>
+            <p:nvSpPr>
+              <p:cNvPr id="176" name="Rectangle 175">
+                <a:extLst>
+                  <a:ext uri="{FF2B5EF4-FFF2-40B4-BE49-F238E27FC236}">
+                    <a16:creationId xmlns:a16="http://schemas.microsoft.com/office/drawing/2014/main" id="{EE41C289-25EE-475D-BB13-65CA76A8EC0E}"/>
+                  </a:ext>
+                </a:extLst>
+              </p:cNvPr>
+              <p:cNvSpPr/>
+              <p:nvPr/>
+            </p:nvSpPr>
+            <p:spPr>
+              <a:xfrm>
+                <a:off x="9706560" y="2436951"/>
+                <a:ext cx="270000" cy="144000"/>
+              </a:xfrm>
+              <a:prstGeom prst="rect">
+                <a:avLst/>
+              </a:prstGeom>
+            </p:spPr>
+            <p:style>
+              <a:lnRef idx="2">
+                <a:schemeClr val="accent1">
+                  <a:shade val="50000"/>
+                </a:schemeClr>
+              </a:lnRef>
+              <a:fillRef idx="1">
+                <a:schemeClr val="accent1"/>
+              </a:fillRef>
+              <a:effectRef idx="0">
+                <a:schemeClr val="accent1"/>
+              </a:effectRef>
+              <a:fontRef idx="minor">
+                <a:schemeClr val="lt1"/>
+              </a:fontRef>
+            </p:style>
+            <p:txBody>
+              <a:bodyPr rtlCol="0" anchor="ctr"/>
+              <a:lstStyle/>
+              <a:p>
+                <a:pPr algn="ctr"/>
+                <a:endParaRPr lang="en-US" sz="1200" dirty="0"/>
+              </a:p>
+            </p:txBody>
+          </p:sp>
+          <p:sp>
+            <p:nvSpPr>
+              <p:cNvPr id="177" name="TextBox 176">
+                <a:extLst>
+                  <a:ext uri="{FF2B5EF4-FFF2-40B4-BE49-F238E27FC236}">
+                    <a16:creationId xmlns:a16="http://schemas.microsoft.com/office/drawing/2014/main" id="{C4A8DA0B-031D-4B90-9AD1-777E0014FCB8}"/>
+                  </a:ext>
+                </a:extLst>
+              </p:cNvPr>
+              <p:cNvSpPr txBox="1"/>
+              <p:nvPr/>
+            </p:nvSpPr>
+            <p:spPr>
+              <a:xfrm>
+                <a:off x="9951501" y="1917444"/>
+                <a:ext cx="514885" cy="276999"/>
+              </a:xfrm>
+              <a:prstGeom prst="rect">
+                <a:avLst/>
+              </a:prstGeom>
+              <a:noFill/>
+            </p:spPr>
+            <p:txBody>
+              <a:bodyPr wrap="square" rtlCol="0">
+                <a:spAutoFit/>
+              </a:bodyPr>
+              <a:lstStyle/>
+              <a:p>
+                <a:r>
+                  <a:rPr lang="en-US" sz="1200" dirty="0"/>
+                  <a:t>Input</a:t>
+                </a:r>
+              </a:p>
+            </p:txBody>
+          </p:sp>
+          <p:sp>
+            <p:nvSpPr>
+              <p:cNvPr id="178" name="TextBox 177">
+                <a:extLst>
+                  <a:ext uri="{FF2B5EF4-FFF2-40B4-BE49-F238E27FC236}">
+                    <a16:creationId xmlns:a16="http://schemas.microsoft.com/office/drawing/2014/main" id="{8BCA8E2B-089D-40EA-A179-2DC58CFC13FA}"/>
+                  </a:ext>
+                </a:extLst>
+              </p:cNvPr>
+              <p:cNvSpPr txBox="1"/>
+              <p:nvPr/>
+            </p:nvSpPr>
+            <p:spPr>
+              <a:xfrm>
+                <a:off x="9941660" y="2148059"/>
+                <a:ext cx="1138773" cy="276999"/>
+              </a:xfrm>
+              <a:prstGeom prst="rect">
+                <a:avLst/>
+              </a:prstGeom>
+              <a:noFill/>
+            </p:spPr>
+            <p:txBody>
+              <a:bodyPr wrap="square" rtlCol="0">
+                <a:spAutoFit/>
+              </a:bodyPr>
+              <a:lstStyle/>
+              <a:p>
+                <a:r>
+                  <a:rPr lang="en-US" sz="1200" dirty="0"/>
+                  <a:t>Verilog Module</a:t>
+                </a:r>
+              </a:p>
+            </p:txBody>
+          </p:sp>
+          <p:sp>
+            <p:nvSpPr>
+              <p:cNvPr id="179" name="TextBox 178">
+                <a:extLst>
+                  <a:ext uri="{FF2B5EF4-FFF2-40B4-BE49-F238E27FC236}">
+                    <a16:creationId xmlns:a16="http://schemas.microsoft.com/office/drawing/2014/main" id="{4B63638A-36E1-44DD-82C8-C71B51455C1E}"/>
+                  </a:ext>
+                </a:extLst>
+              </p:cNvPr>
+              <p:cNvSpPr txBox="1"/>
+              <p:nvPr/>
+            </p:nvSpPr>
+            <p:spPr>
+              <a:xfrm>
+                <a:off x="9941660" y="2370522"/>
+                <a:ext cx="795924" cy="276999"/>
+              </a:xfrm>
+              <a:prstGeom prst="rect">
+                <a:avLst/>
+              </a:prstGeom>
+              <a:noFill/>
+            </p:spPr>
+            <p:txBody>
+              <a:bodyPr wrap="square" rtlCol="0">
+                <a:spAutoFit/>
+              </a:bodyPr>
+              <a:lstStyle/>
+              <a:p>
+                <a:r>
+                  <a:rPr lang="en-US" sz="1200" dirty="0"/>
+                  <a:t>Hardware</a:t>
+                </a:r>
+              </a:p>
+            </p:txBody>
+          </p:sp>
+          <p:sp>
+            <p:nvSpPr>
+              <p:cNvPr id="180" name="Rectangle 179">
+                <a:extLst>
+                  <a:ext uri="{FF2B5EF4-FFF2-40B4-BE49-F238E27FC236}">
+                    <a16:creationId xmlns:a16="http://schemas.microsoft.com/office/drawing/2014/main" id="{2CE17FEE-52A8-4B9B-9040-7630E80A5F5B}"/>
+                  </a:ext>
+                </a:extLst>
+              </p:cNvPr>
+              <p:cNvSpPr/>
+              <p:nvPr/>
+            </p:nvSpPr>
+            <p:spPr>
+              <a:xfrm>
+                <a:off x="9641322" y="1917444"/>
+                <a:ext cx="1368050" cy="730077"/>
+              </a:xfrm>
+              <a:prstGeom prst="rect">
+                <a:avLst/>
+              </a:prstGeom>
+              <a:noFill/>
+            </p:spPr>
+            <p:style>
+              <a:lnRef idx="2">
+                <a:schemeClr val="accent1">
+                  <a:shade val="50000"/>
+                </a:schemeClr>
+              </a:lnRef>
+              <a:fillRef idx="1">
+                <a:schemeClr val="accent1"/>
+              </a:fillRef>
+              <a:effectRef idx="0">
+                <a:schemeClr val="accent1"/>
+              </a:effectRef>
+              <a:fontRef idx="minor">
+                <a:schemeClr val="lt1"/>
+              </a:fontRef>
+            </p:style>
+            <p:txBody>
+              <a:bodyPr rtlCol="0" anchor="ctr"/>
+              <a:lstStyle/>
+              <a:p>
+                <a:pPr algn="ctr"/>
+                <a:endParaRPr lang="en-US" dirty="0"/>
+              </a:p>
+            </p:txBody>
+          </p:sp>
+        </p:grpSp>
+        <p:sp>
+          <p:nvSpPr>
+            <p:cNvPr id="183" name="TextBox 182">
+              <a:extLst>
+                <a:ext uri="{FF2B5EF4-FFF2-40B4-BE49-F238E27FC236}">
+                  <a16:creationId xmlns:a16="http://schemas.microsoft.com/office/drawing/2014/main" id="{04032A7D-F3C0-4107-8D6E-1CF6C34BB8ED}"/>
+                </a:ext>
+              </a:extLst>
+            </p:cNvPr>
+            <p:cNvSpPr txBox="1"/>
+            <p:nvPr/>
+          </p:nvSpPr>
+          <p:spPr>
+            <a:xfrm>
+              <a:off x="3565408" y="4764073"/>
+              <a:ext cx="554960" cy="276999"/>
+            </a:xfrm>
+            <a:prstGeom prst="rect">
+              <a:avLst/>
+            </a:prstGeom>
+            <a:noFill/>
+          </p:spPr>
+          <p:txBody>
+            <a:bodyPr wrap="none" rtlCol="0">
+              <a:spAutoFit/>
+            </a:bodyPr>
+            <a:lstStyle/>
+            <a:p>
+              <a:r>
+                <a:rPr lang="en-US" sz="1200" dirty="0"/>
+                <a:t>Mode</a:t>
+              </a:r>
+            </a:p>
+          </p:txBody>
+        </p:sp>
+        <p:cxnSp>
+          <p:nvCxnSpPr>
+            <p:cNvPr id="75" name="Straight Connector 74">
+              <a:extLst>
+                <a:ext uri="{FF2B5EF4-FFF2-40B4-BE49-F238E27FC236}">
+                  <a16:creationId xmlns:a16="http://schemas.microsoft.com/office/drawing/2014/main" id="{E83096E9-2B27-47AC-BA80-3A6D886C1644}"/>
+                </a:ext>
+              </a:extLst>
+            </p:cNvPr>
+            <p:cNvCxnSpPr>
+              <a:cxnSpLocks/>
+            </p:cNvCxnSpPr>
+            <p:nvPr/>
+          </p:nvCxnSpPr>
+          <p:spPr>
+            <a:xfrm>
+              <a:off x="5502828" y="4728155"/>
+              <a:ext cx="288466" cy="0"/>
+            </a:xfrm>
+            <a:prstGeom prst="line">
+              <a:avLst/>
+            </a:prstGeom>
+            <a:ln>
+              <a:tailEnd type="none" w="lg" len="med"/>
+            </a:ln>
+          </p:spPr>
+          <p:style>
+            <a:lnRef idx="1">
+              <a:schemeClr val="accent1"/>
+            </a:lnRef>
+            <a:fillRef idx="0">
+              <a:schemeClr val="accent1"/>
+            </a:fillRef>
+            <a:effectRef idx="0">
+              <a:schemeClr val="accent1"/>
+            </a:effectRef>
+            <a:fontRef idx="minor">
+              <a:schemeClr val="tx1"/>
+            </a:fontRef>
+          </p:style>
+        </p:cxnSp>
+        <p:cxnSp>
+          <p:nvCxnSpPr>
+            <p:cNvPr id="76" name="Straight Connector 75">
+              <a:extLst>
+                <a:ext uri="{FF2B5EF4-FFF2-40B4-BE49-F238E27FC236}">
+                  <a16:creationId xmlns:a16="http://schemas.microsoft.com/office/drawing/2014/main" id="{70CF855D-32E8-4AFA-B963-8531EB01D079}"/>
+                </a:ext>
+              </a:extLst>
+            </p:cNvPr>
+            <p:cNvCxnSpPr>
+              <a:cxnSpLocks/>
+            </p:cNvCxnSpPr>
+            <p:nvPr/>
+          </p:nvCxnSpPr>
+          <p:spPr>
+            <a:xfrm>
+              <a:off x="5791294" y="3455253"/>
+              <a:ext cx="0" cy="1272902"/>
+            </a:xfrm>
+            <a:prstGeom prst="line">
+              <a:avLst/>
+            </a:prstGeom>
+            <a:ln>
+              <a:tailEnd type="none" w="lg" len="med"/>
+            </a:ln>
+          </p:spPr>
+          <p:style>
+            <a:lnRef idx="1">
+              <a:schemeClr val="accent1"/>
+            </a:lnRef>
+            <a:fillRef idx="0">
+              <a:schemeClr val="accent1"/>
+            </a:fillRef>
+            <a:effectRef idx="0">
+              <a:schemeClr val="accent1"/>
+            </a:effectRef>
+            <a:fontRef idx="minor">
+              <a:schemeClr val="tx1"/>
+            </a:fontRef>
+          </p:style>
+        </p:cxnSp>
+      </p:grpSp>
+      <p:pic>
+        <p:nvPicPr>
+          <p:cNvPr id="40" name="Picture 39">
+            <a:extLst>
+              <a:ext uri="{FF2B5EF4-FFF2-40B4-BE49-F238E27FC236}">
+                <a16:creationId xmlns:a16="http://schemas.microsoft.com/office/drawing/2014/main" id="{94B629A4-1963-4508-BD34-0DD86BFFB8C5}"/>
+              </a:ext>
+            </a:extLst>
+          </p:cNvPr>
+          <p:cNvPicPr>
+            <a:picLocks noChangeAspect="1"/>
+          </p:cNvPicPr>
+          <p:nvPr/>
+        </p:nvPicPr>
+        <p:blipFill>
+          <a:blip r:embed="rId2">
+            <a:extLst>
+              <a:ext uri="{28A0092B-C50C-407E-A947-70E740481C1C}">
+                <a14:useLocalDpi xmlns:a14="http://schemas.microsoft.com/office/drawing/2010/main" val="0"/>
+              </a:ext>
+            </a:extLst>
+          </a:blip>
+          <a:stretch>
+            <a:fillRect/>
+          </a:stretch>
+        </p:blipFill>
+        <p:spPr>
+          <a:xfrm>
+            <a:off x="10808915" y="74591"/>
+            <a:ext cx="1313290" cy="263031"/>
+          </a:xfrm>
+          <a:prstGeom prst="rect">
+            <a:avLst/>
+          </a:prstGeom>
+        </p:spPr>
+      </p:pic>
+      <p:sp>
+        <p:nvSpPr>
+          <p:cNvPr id="95" name="Title 33">
+            <a:extLst>
+              <a:ext uri="{FF2B5EF4-FFF2-40B4-BE49-F238E27FC236}">
+                <a16:creationId xmlns:a16="http://schemas.microsoft.com/office/drawing/2014/main" id="{EDEEF918-7C7D-4680-81F2-3C1726C73D8A}"/>
+              </a:ext>
+            </a:extLst>
+          </p:cNvPr>
+          <p:cNvSpPr txBox="1">
+            <a:spLocks/>
+          </p:cNvSpPr>
+          <p:nvPr/>
+        </p:nvSpPr>
+        <p:spPr>
+          <a:xfrm>
+            <a:off x="-1" y="687373"/>
+            <a:ext cx="12191999" cy="590941"/>
+          </a:xfrm>
+          <a:prstGeom prst="rect">
+            <a:avLst/>
+          </a:prstGeom>
+        </p:spPr>
+        <p:txBody>
+          <a:bodyPr vert="horz" lIns="91440" tIns="45720" rIns="91440" bIns="45720" rtlCol="0" anchor="ctr">
+            <a:normAutofit/>
+          </a:bodyPr>
+          <a:lstStyle>
+            <a:lvl1pPr algn="l" defTabSz="914400" rtl="0" eaLnBrk="1" latinLnBrk="0" hangingPunct="1">
+              <a:lnSpc>
+                <a:spcPct val="90000"/>
+              </a:lnSpc>
+              <a:spcBef>
+                <a:spcPct val="0"/>
+              </a:spcBef>
+              <a:buNone/>
+              <a:defRPr sz="4400" kern="1200">
+                <a:solidFill>
+                  <a:schemeClr val="tx1"/>
+                </a:solidFill>
+                <a:latin typeface="+mj-lt"/>
+                <a:ea typeface="+mj-ea"/>
+                <a:cs typeface="+mj-cs"/>
+              </a:defRPr>
+            </a:lvl1pPr>
+          </a:lstStyle>
+          <a:p>
+            <a:pPr algn="ctr"/>
+            <a:r>
+              <a:rPr lang="en-US" sz="2800" dirty="0"/>
+              <a:t>RTL Design Block Diagram</a:t>
+            </a:r>
+          </a:p>
+        </p:txBody>
+      </p:sp>
+      <p:sp>
+        <p:nvSpPr>
+          <p:cNvPr id="98" name="Title 33">
+            <a:extLst>
+              <a:ext uri="{FF2B5EF4-FFF2-40B4-BE49-F238E27FC236}">
+                <a16:creationId xmlns:a16="http://schemas.microsoft.com/office/drawing/2014/main" id="{B35EFFC2-FB4A-4B7F-90EF-71EF61063D05}"/>
+              </a:ext>
+            </a:extLst>
+          </p:cNvPr>
+          <p:cNvSpPr txBox="1">
+            <a:spLocks/>
+          </p:cNvSpPr>
+          <p:nvPr/>
+        </p:nvSpPr>
+        <p:spPr>
+          <a:xfrm>
+            <a:off x="9928" y="22691"/>
+            <a:ext cx="12191993" cy="352956"/>
+          </a:xfrm>
+          <a:prstGeom prst="rect">
+            <a:avLst/>
+          </a:prstGeom>
+        </p:spPr>
+        <p:txBody>
+          <a:bodyPr vert="horz" lIns="91440" tIns="45720" rIns="91440" bIns="45720" rtlCol="0" anchor="ctr">
+            <a:normAutofit/>
+          </a:bodyPr>
+          <a:lstStyle>
+            <a:lvl1pPr algn="l" defTabSz="914400" rtl="0" eaLnBrk="1" latinLnBrk="0" hangingPunct="1">
+              <a:lnSpc>
+                <a:spcPct val="90000"/>
+              </a:lnSpc>
+              <a:spcBef>
+                <a:spcPct val="0"/>
+              </a:spcBef>
+              <a:buNone/>
+              <a:defRPr sz="4400" kern="1200">
+                <a:solidFill>
+                  <a:schemeClr val="tx1"/>
+                </a:solidFill>
+                <a:latin typeface="+mj-lt"/>
+                <a:ea typeface="+mj-ea"/>
+                <a:cs typeface="+mj-cs"/>
+              </a:defRPr>
+            </a:lvl1pPr>
+          </a:lstStyle>
+          <a:p>
+            <a:r>
+              <a:rPr lang="en-US" sz="1800" dirty="0"/>
+              <a:t>Robot Designing using FPGA</a:t>
+            </a:r>
+          </a:p>
+        </p:txBody>
+      </p:sp>
+      <p:sp>
+        <p:nvSpPr>
+          <p:cNvPr id="99" name="Title 33">
+            <a:extLst>
+              <a:ext uri="{FF2B5EF4-FFF2-40B4-BE49-F238E27FC236}">
+                <a16:creationId xmlns:a16="http://schemas.microsoft.com/office/drawing/2014/main" id="{0192CC9B-4DF1-458B-A4AC-245C1A0948F5}"/>
+              </a:ext>
+            </a:extLst>
+          </p:cNvPr>
+          <p:cNvSpPr txBox="1">
+            <a:spLocks/>
+          </p:cNvSpPr>
+          <p:nvPr/>
+        </p:nvSpPr>
+        <p:spPr>
+          <a:xfrm>
+            <a:off x="-1" y="6475487"/>
+            <a:ext cx="12191993" cy="352956"/>
+          </a:xfrm>
+          <a:prstGeom prst="rect">
+            <a:avLst/>
+          </a:prstGeom>
+        </p:spPr>
+        <p:txBody>
+          <a:bodyPr vert="horz" lIns="91440" tIns="45720" rIns="91440" bIns="45720" rtlCol="0" anchor="ctr">
+            <a:normAutofit/>
+          </a:bodyPr>
+          <a:lstStyle>
+            <a:lvl1pPr algn="l" defTabSz="914400" rtl="0" eaLnBrk="1" latinLnBrk="0" hangingPunct="1">
+              <a:lnSpc>
+                <a:spcPct val="90000"/>
+              </a:lnSpc>
+              <a:spcBef>
+                <a:spcPct val="0"/>
+              </a:spcBef>
+              <a:buNone/>
+              <a:defRPr sz="4400" kern="1200">
+                <a:solidFill>
+                  <a:schemeClr val="tx1"/>
+                </a:solidFill>
+                <a:latin typeface="+mj-lt"/>
+                <a:ea typeface="+mj-ea"/>
+                <a:cs typeface="+mj-cs"/>
+              </a:defRPr>
+            </a:lvl1pPr>
+          </a:lstStyle>
+          <a:p>
+            <a:r>
+              <a:rPr lang="en-US" sz="1600" dirty="0"/>
+              <a:t>e-Yantra Summer Internship - 2019</a:t>
+            </a:r>
+          </a:p>
+        </p:txBody>
+      </p:sp>
+    </p:spTree>
+    <p:extLst>
+      <p:ext uri="{BB962C8B-B14F-4D97-AF65-F5344CB8AC3E}">
+        <p14:creationId xmlns:p14="http://schemas.microsoft.com/office/powerpoint/2010/main" val="3514176335"/>
       </p:ext>
     </p:extLst>
   </p:cSld>
@@ -5680,7 +8979,7 @@
     <a:lnDef>
       <a:spPr>
         <a:ln>
-          <a:tailEnd type="triangle" w="lg" len="med"/>
+          <a:tailEnd type="triangle"/>
         </a:ln>
       </a:spPr>
       <a:bodyPr/>
